--- a/KnitR.pptx
+++ b/KnitR.pptx
@@ -5171,48 +5171,26 @@
 </file>
 
 <file path=customXml/item2.xml><?xml version="1.0" encoding="utf-8"?>
-<ct:contentTypeSchema xmlns:ct="http://schemas.microsoft.com/office/2006/metadata/contentType" xmlns:ma="http://schemas.microsoft.com/office/2006/metadata/properties/metaAttributes" ct:_="" ma:_="" ma:contentTypeName="Document" ma:contentTypeID="0x010100DBEF7AC82997D242BB514D2CFE97E78F" ma:contentTypeVersion="31" ma:contentTypeDescription="Create a new document." ma:contentTypeScope="" ma:versionID="e01256ee1edb3b1de1455bafb476b204">
-  <xsd:schema xmlns:xsd="http://www.w3.org/2001/XMLSchema" xmlns:xs="http://www.w3.org/2001/XMLSchema" xmlns:p="http://schemas.microsoft.com/office/2006/metadata/properties" xmlns:ns1="http://schemas.microsoft.com/sharepoint/v3" xmlns:ns3="b248de5a-1419-4918-96b9-b3242b854abc" xmlns:ns4="5662f12b-3453-4479-8b12-66d6bdcc6b72" targetNamespace="http://schemas.microsoft.com/office/2006/metadata/properties" ma:root="true" ma:fieldsID="cc8e1a88bdae5b45a05052e93ea7b0e0" ns1:_="" ns3:_="" ns4:_="">
-    <xsd:import namespace="http://schemas.microsoft.com/sharepoint/v3"/>
-    <xsd:import namespace="b248de5a-1419-4918-96b9-b3242b854abc"/>
-    <xsd:import namespace="5662f12b-3453-4479-8b12-66d6bdcc6b72"/>
+<ct:contentTypeSchema xmlns:ct="http://schemas.microsoft.com/office/2006/metadata/contentType" xmlns:ma="http://schemas.microsoft.com/office/2006/metadata/properties/metaAttributes" ct:_="" ma:_="" ma:contentTypeName="Document" ma:contentTypeID="0x010100B29A48B83221254486C96EE70ACBA9A6" ma:contentTypeVersion="10" ma:contentTypeDescription="Create a new document." ma:contentTypeScope="" ma:versionID="d844dac8e12526486ae412b8ae44e3c2">
+  <xsd:schema xmlns:xsd="http://www.w3.org/2001/XMLSchema" xmlns:xs="http://www.w3.org/2001/XMLSchema" xmlns:p="http://schemas.microsoft.com/office/2006/metadata/properties" xmlns:ns2="34e6b996-c1f6-4024-b553-22dbb926185e" xmlns:ns3="393f1106-018a-42d8-ab30-9984f9d2929a" targetNamespace="http://schemas.microsoft.com/office/2006/metadata/properties" ma:root="true" ma:fieldsID="a1f36514c3211555ce26ca8b787f5a6e" ns2:_="" ns3:_="">
+    <xsd:import namespace="34e6b996-c1f6-4024-b553-22dbb926185e"/>
+    <xsd:import namespace="393f1106-018a-42d8-ab30-9984f9d2929a"/>
     <xsd:element name="properties">
       <xsd:complexType>
         <xsd:sequence>
           <xsd:element name="documentManagement">
             <xsd:complexType>
               <xsd:all>
-                <xsd:element ref="ns3:SharedWithUsers" minOccurs="0"/>
-                <xsd:element ref="ns3:SharedWithDetails" minOccurs="0"/>
-                <xsd:element ref="ns3:SharingHintHash" minOccurs="0"/>
-                <xsd:element ref="ns4:MediaServiceMetadata" minOccurs="0"/>
-                <xsd:element ref="ns4:MediaServiceFastMetadata" minOccurs="0"/>
-                <xsd:element ref="ns4:MediaServiceDateTaken" minOccurs="0"/>
-                <xsd:element ref="ns4:MediaServiceLocation" minOccurs="0"/>
-                <xsd:element ref="ns4:MediaServiceAutoTags" minOccurs="0"/>
-                <xsd:element ref="ns4:MediaServiceOCR" minOccurs="0"/>
-                <xsd:element ref="ns4:NotebookType" minOccurs="0"/>
-                <xsd:element ref="ns4:FolderType" minOccurs="0"/>
-                <xsd:element ref="ns4:Owner" minOccurs="0"/>
-                <xsd:element ref="ns4:DefaultSectionNames" minOccurs="0"/>
-                <xsd:element ref="ns4:Templates" minOccurs="0"/>
-                <xsd:element ref="ns4:CultureName" minOccurs="0"/>
-                <xsd:element ref="ns4:AppVersion" minOccurs="0"/>
-                <xsd:element ref="ns4:Leaders" minOccurs="0"/>
-                <xsd:element ref="ns4:Members" minOccurs="0"/>
-                <xsd:element ref="ns4:Member_Groups" minOccurs="0"/>
-                <xsd:element ref="ns4:Invited_Leaders" minOccurs="0"/>
-                <xsd:element ref="ns4:Invited_Members" minOccurs="0"/>
-                <xsd:element ref="ns4:Self_Registration_Enabled" minOccurs="0"/>
-                <xsd:element ref="ns4:Has_Leaders_Only_SectionGroup" minOccurs="0"/>
-                <xsd:element ref="ns4:Is_Collaboration_Space_Locked" minOccurs="0"/>
-                <xsd:element ref="ns1:_ip_UnifiedCompliancePolicyProperties" minOccurs="0"/>
-                <xsd:element ref="ns1:_ip_UnifiedCompliancePolicyUIAction" minOccurs="0"/>
-                <xsd:element ref="ns4:MediaServiceGenerationTime" minOccurs="0"/>
-                <xsd:element ref="ns4:MediaServiceEventHashCode" minOccurs="0"/>
-                <xsd:element ref="ns4:MediaServiceAutoKeyPoints" minOccurs="0"/>
-                <xsd:element ref="ns4:MediaServiceKeyPoints" minOccurs="0"/>
-                <xsd:element ref="ns4:MediaLengthInSeconds" minOccurs="0"/>
+                <xsd:element ref="ns2:SharedWithUsers" minOccurs="0"/>
+                <xsd:element ref="ns2:SharedWithDetails" minOccurs="0"/>
+                <xsd:element ref="ns3:MediaServiceMetadata" minOccurs="0"/>
+                <xsd:element ref="ns3:MediaServiceFastMetadata" minOccurs="0"/>
+                <xsd:element ref="ns3:MediaServiceAutoTags" minOccurs="0"/>
+                <xsd:element ref="ns3:MediaServiceOCR" minOccurs="0"/>
+                <xsd:element ref="ns3:MediaServiceGenerationTime" minOccurs="0"/>
+                <xsd:element ref="ns3:MediaServiceEventHashCode" minOccurs="0"/>
+                <xsd:element ref="ns3:MediaServiceAutoKeyPoints" minOccurs="0"/>
+                <xsd:element ref="ns3:MediaServiceKeyPoints" minOccurs="0"/>
               </xsd:all>
             </xsd:complexType>
           </xsd:element>
@@ -5220,21 +5198,7 @@
       </xsd:complexType>
     </xsd:element>
   </xsd:schema>
-  <xsd:schema xmlns:xsd="http://www.w3.org/2001/XMLSchema" xmlns:xs="http://www.w3.org/2001/XMLSchema" xmlns:dms="http://schemas.microsoft.com/office/2006/documentManagement/types" xmlns:pc="http://schemas.microsoft.com/office/infopath/2007/PartnerControls" targetNamespace="http://schemas.microsoft.com/sharepoint/v3" elementFormDefault="qualified">
-    <xsd:import namespace="http://schemas.microsoft.com/office/2006/documentManagement/types"/>
-    <xsd:import namespace="http://schemas.microsoft.com/office/infopath/2007/PartnerControls"/>
-    <xsd:element name="_ip_UnifiedCompliancePolicyProperties" ma:index="32" nillable="true" ma:displayName="Unified Compliance Policy Properties" ma:hidden="true" ma:internalName="_ip_UnifiedCompliancePolicyProperties">
-      <xsd:simpleType>
-        <xsd:restriction base="dms:Note"/>
-      </xsd:simpleType>
-    </xsd:element>
-    <xsd:element name="_ip_UnifiedCompliancePolicyUIAction" ma:index="33" nillable="true" ma:displayName="Unified Compliance Policy UI Action" ma:hidden="true" ma:internalName="_ip_UnifiedCompliancePolicyUIAction">
-      <xsd:simpleType>
-        <xsd:restriction base="dms:Text"/>
-      </xsd:simpleType>
-    </xsd:element>
-  </xsd:schema>
-  <xsd:schema xmlns:xsd="http://www.w3.org/2001/XMLSchema" xmlns:xs="http://www.w3.org/2001/XMLSchema" xmlns:dms="http://schemas.microsoft.com/office/2006/documentManagement/types" xmlns:pc="http://schemas.microsoft.com/office/infopath/2007/PartnerControls" targetNamespace="b248de5a-1419-4918-96b9-b3242b854abc" elementFormDefault="qualified">
+  <xsd:schema xmlns:xsd="http://www.w3.org/2001/XMLSchema" xmlns:xs="http://www.w3.org/2001/XMLSchema" xmlns:dms="http://schemas.microsoft.com/office/2006/documentManagement/types" xmlns:pc="http://schemas.microsoft.com/office/infopath/2007/PartnerControls" targetNamespace="34e6b996-c1f6-4024-b553-22dbb926185e" elementFormDefault="qualified">
     <xsd:import namespace="http://schemas.microsoft.com/office/2006/documentManagement/types"/>
     <xsd:import namespace="http://schemas.microsoft.com/office/infopath/2007/PartnerControls"/>
     <xsd:element name="SharedWithUsers" ma:index="8" nillable="true" ma:displayName="Shared With" ma:internalName="SharedWithUsers" ma:readOnly="true">
@@ -5263,211 +5227,52 @@
         </xsd:restriction>
       </xsd:simpleType>
     </xsd:element>
-    <xsd:element name="SharingHintHash" ma:index="10" nillable="true" ma:displayName="Sharing Hint Hash" ma:hidden="true" ma:internalName="SharingHintHash" ma:readOnly="true">
+  </xsd:schema>
+  <xsd:schema xmlns:xsd="http://www.w3.org/2001/XMLSchema" xmlns:xs="http://www.w3.org/2001/XMLSchema" xmlns:dms="http://schemas.microsoft.com/office/2006/documentManagement/types" xmlns:pc="http://schemas.microsoft.com/office/infopath/2007/PartnerControls" targetNamespace="393f1106-018a-42d8-ab30-9984f9d2929a" elementFormDefault="qualified">
+    <xsd:import namespace="http://schemas.microsoft.com/office/2006/documentManagement/types"/>
+    <xsd:import namespace="http://schemas.microsoft.com/office/infopath/2007/PartnerControls"/>
+    <xsd:element name="MediaServiceMetadata" ma:index="10" nillable="true" ma:displayName="MediaServiceMetadata" ma:hidden="true" ma:internalName="MediaServiceMetadata" ma:readOnly="true">
+      <xsd:simpleType>
+        <xsd:restriction base="dms:Note"/>
+      </xsd:simpleType>
+    </xsd:element>
+    <xsd:element name="MediaServiceFastMetadata" ma:index="11" nillable="true" ma:displayName="MediaServiceFastMetadata" ma:hidden="true" ma:internalName="MediaServiceFastMetadata" ma:readOnly="true">
+      <xsd:simpleType>
+        <xsd:restriction base="dms:Note"/>
+      </xsd:simpleType>
+    </xsd:element>
+    <xsd:element name="MediaServiceAutoTags" ma:index="12" nillable="true" ma:displayName="Tags" ma:internalName="MediaServiceAutoTags" ma:readOnly="true">
       <xsd:simpleType>
         <xsd:restriction base="dms:Text"/>
       </xsd:simpleType>
     </xsd:element>
-  </xsd:schema>
-  <xsd:schema xmlns:xsd="http://www.w3.org/2001/XMLSchema" xmlns:xs="http://www.w3.org/2001/XMLSchema" xmlns:dms="http://schemas.microsoft.com/office/2006/documentManagement/types" xmlns:pc="http://schemas.microsoft.com/office/infopath/2007/PartnerControls" targetNamespace="5662f12b-3453-4479-8b12-66d6bdcc6b72" elementFormDefault="qualified">
-    <xsd:import namespace="http://schemas.microsoft.com/office/2006/documentManagement/types"/>
-    <xsd:import namespace="http://schemas.microsoft.com/office/infopath/2007/PartnerControls"/>
-    <xsd:element name="MediaServiceMetadata" ma:index="11" nillable="true" ma:displayName="MediaServiceMetadata" ma:hidden="true" ma:internalName="MediaServiceMetadata" ma:readOnly="true">
-      <xsd:simpleType>
-        <xsd:restriction base="dms:Note"/>
-      </xsd:simpleType>
-    </xsd:element>
-    <xsd:element name="MediaServiceFastMetadata" ma:index="12" nillable="true" ma:displayName="MediaServiceFastMetadata" ma:hidden="true" ma:internalName="MediaServiceFastMetadata" ma:readOnly="true">
-      <xsd:simpleType>
-        <xsd:restriction base="dms:Note"/>
-      </xsd:simpleType>
-    </xsd:element>
-    <xsd:element name="MediaServiceDateTaken" ma:index="13" nillable="true" ma:displayName="MediaServiceDateTaken" ma:hidden="true" ma:internalName="MediaServiceDateTaken" ma:readOnly="true">
-      <xsd:simpleType>
-        <xsd:restriction base="dms:Text"/>
-      </xsd:simpleType>
-    </xsd:element>
-    <xsd:element name="MediaServiceLocation" ma:index="14" nillable="true" ma:displayName="MediaServiceLocation" ma:internalName="MediaServiceLocation" ma:readOnly="true">
-      <xsd:simpleType>
-        <xsd:restriction base="dms:Text"/>
-      </xsd:simpleType>
-    </xsd:element>
-    <xsd:element name="MediaServiceAutoTags" ma:index="15" nillable="true" ma:displayName="MediaServiceAutoTags" ma:internalName="MediaServiceAutoTags" ma:readOnly="true">
-      <xsd:simpleType>
-        <xsd:restriction base="dms:Text"/>
-      </xsd:simpleType>
-    </xsd:element>
-    <xsd:element name="MediaServiceOCR" ma:index="16" nillable="true" ma:displayName="MediaServiceOCR" ma:internalName="MediaServiceOCR" ma:readOnly="true">
+    <xsd:element name="MediaServiceOCR" ma:index="13" nillable="true" ma:displayName="Extracted Text" ma:internalName="MediaServiceOCR" ma:readOnly="true">
       <xsd:simpleType>
         <xsd:restriction base="dms:Note">
           <xsd:maxLength value="255"/>
         </xsd:restriction>
       </xsd:simpleType>
     </xsd:element>
-    <xsd:element name="NotebookType" ma:index="17" nillable="true" ma:displayName="Notebook Type" ma:internalName="NotebookType">
+    <xsd:element name="MediaServiceGenerationTime" ma:index="14" nillable="true" ma:displayName="MediaServiceGenerationTime" ma:hidden="true" ma:internalName="MediaServiceGenerationTime" ma:readOnly="true">
       <xsd:simpleType>
         <xsd:restriction base="dms:Text"/>
       </xsd:simpleType>
     </xsd:element>
-    <xsd:element name="FolderType" ma:index="18" nillable="true" ma:displayName="Folder Type" ma:internalName="FolderType">
+    <xsd:element name="MediaServiceEventHashCode" ma:index="15" nillable="true" ma:displayName="MediaServiceEventHashCode" ma:hidden="true" ma:internalName="MediaServiceEventHashCode" ma:readOnly="true">
       <xsd:simpleType>
         <xsd:restriction base="dms:Text"/>
       </xsd:simpleType>
     </xsd:element>
-    <xsd:element name="Owner" ma:index="19" nillable="true" ma:displayName="Owner" ma:internalName="Owner">
-      <xsd:complexType>
-        <xsd:complexContent>
-          <xsd:extension base="dms:User">
-            <xsd:sequence>
-              <xsd:element name="UserInfo" minOccurs="0" maxOccurs="unbounded">
-                <xsd:complexType>
-                  <xsd:sequence>
-                    <xsd:element name="DisplayName" type="xsd:string" minOccurs="0"/>
-                    <xsd:element name="AccountId" type="dms:UserId" minOccurs="0" nillable="true"/>
-                    <xsd:element name="AccountType" type="xsd:string" minOccurs="0"/>
-                  </xsd:sequence>
-                </xsd:complexType>
-              </xsd:element>
-            </xsd:sequence>
-          </xsd:extension>
-        </xsd:complexContent>
-      </xsd:complexType>
+    <xsd:element name="MediaServiceAutoKeyPoints" ma:index="16" nillable="true" ma:displayName="MediaServiceAutoKeyPoints" ma:hidden="true" ma:internalName="MediaServiceAutoKeyPoints" ma:readOnly="true">
+      <xsd:simpleType>
+        <xsd:restriction base="dms:Note"/>
+      </xsd:simpleType>
     </xsd:element>
-    <xsd:element name="DefaultSectionNames" ma:index="20" nillable="true" ma:displayName="Default Section Names" ma:internalName="DefaultSectionNames">
+    <xsd:element name="MediaServiceKeyPoints" ma:index="17" nillable="true" ma:displayName="KeyPoints" ma:internalName="MediaServiceKeyPoints" ma:readOnly="true">
       <xsd:simpleType>
         <xsd:restriction base="dms:Note">
           <xsd:maxLength value="255"/>
         </xsd:restriction>
-      </xsd:simpleType>
-    </xsd:element>
-    <xsd:element name="Templates" ma:index="21" nillable="true" ma:displayName="Templates" ma:internalName="Templates">
-      <xsd:simpleType>
-        <xsd:restriction base="dms:Note">
-          <xsd:maxLength value="255"/>
-        </xsd:restriction>
-      </xsd:simpleType>
-    </xsd:element>
-    <xsd:element name="CultureName" ma:index="22" nillable="true" ma:displayName="Culture Name" ma:internalName="CultureName">
-      <xsd:simpleType>
-        <xsd:restriction base="dms:Text"/>
-      </xsd:simpleType>
-    </xsd:element>
-    <xsd:element name="AppVersion" ma:index="23" nillable="true" ma:displayName="App Version" ma:internalName="AppVersion">
-      <xsd:simpleType>
-        <xsd:restriction base="dms:Text"/>
-      </xsd:simpleType>
-    </xsd:element>
-    <xsd:element name="Leaders" ma:index="24" nillable="true" ma:displayName="Leaders" ma:internalName="Leaders">
-      <xsd:complexType>
-        <xsd:complexContent>
-          <xsd:extension base="dms:UserMulti">
-            <xsd:sequence>
-              <xsd:element name="UserInfo" minOccurs="0" maxOccurs="unbounded">
-                <xsd:complexType>
-                  <xsd:sequence>
-                    <xsd:element name="DisplayName" type="xsd:string" minOccurs="0"/>
-                    <xsd:element name="AccountId" type="dms:UserId" minOccurs="0" nillable="true"/>
-                    <xsd:element name="AccountType" type="xsd:string" minOccurs="0"/>
-                  </xsd:sequence>
-                </xsd:complexType>
-              </xsd:element>
-            </xsd:sequence>
-          </xsd:extension>
-        </xsd:complexContent>
-      </xsd:complexType>
-    </xsd:element>
-    <xsd:element name="Members" ma:index="25" nillable="true" ma:displayName="Members" ma:internalName="Members">
-      <xsd:complexType>
-        <xsd:complexContent>
-          <xsd:extension base="dms:UserMulti">
-            <xsd:sequence>
-              <xsd:element name="UserInfo" minOccurs="0" maxOccurs="unbounded">
-                <xsd:complexType>
-                  <xsd:sequence>
-                    <xsd:element name="DisplayName" type="xsd:string" minOccurs="0"/>
-                    <xsd:element name="AccountId" type="dms:UserId" minOccurs="0" nillable="true"/>
-                    <xsd:element name="AccountType" type="xsd:string" minOccurs="0"/>
-                  </xsd:sequence>
-                </xsd:complexType>
-              </xsd:element>
-            </xsd:sequence>
-          </xsd:extension>
-        </xsd:complexContent>
-      </xsd:complexType>
-    </xsd:element>
-    <xsd:element name="Member_Groups" ma:index="26" nillable="true" ma:displayName="Member Groups" ma:internalName="Member_Groups">
-      <xsd:complexType>
-        <xsd:complexContent>
-          <xsd:extension base="dms:UserMulti">
-            <xsd:sequence>
-              <xsd:element name="UserInfo" minOccurs="0" maxOccurs="unbounded">
-                <xsd:complexType>
-                  <xsd:sequence>
-                    <xsd:element name="DisplayName" type="xsd:string" minOccurs="0"/>
-                    <xsd:element name="AccountId" type="dms:UserId" minOccurs="0" nillable="true"/>
-                    <xsd:element name="AccountType" type="xsd:string" minOccurs="0"/>
-                  </xsd:sequence>
-                </xsd:complexType>
-              </xsd:element>
-            </xsd:sequence>
-          </xsd:extension>
-        </xsd:complexContent>
-      </xsd:complexType>
-    </xsd:element>
-    <xsd:element name="Invited_Leaders" ma:index="27" nillable="true" ma:displayName="Invited Leaders" ma:internalName="Invited_Leaders">
-      <xsd:simpleType>
-        <xsd:restriction base="dms:Note">
-          <xsd:maxLength value="255"/>
-        </xsd:restriction>
-      </xsd:simpleType>
-    </xsd:element>
-    <xsd:element name="Invited_Members" ma:index="28" nillable="true" ma:displayName="Invited Members" ma:internalName="Invited_Members">
-      <xsd:simpleType>
-        <xsd:restriction base="dms:Note">
-          <xsd:maxLength value="255"/>
-        </xsd:restriction>
-      </xsd:simpleType>
-    </xsd:element>
-    <xsd:element name="Self_Registration_Enabled" ma:index="29" nillable="true" ma:displayName="Self Registration Enabled" ma:internalName="Self_Registration_Enabled">
-      <xsd:simpleType>
-        <xsd:restriction base="dms:Boolean"/>
-      </xsd:simpleType>
-    </xsd:element>
-    <xsd:element name="Has_Leaders_Only_SectionGroup" ma:index="30" nillable="true" ma:displayName="Has Leaders Only SectionGroup" ma:internalName="Has_Leaders_Only_SectionGroup">
-      <xsd:simpleType>
-        <xsd:restriction base="dms:Boolean"/>
-      </xsd:simpleType>
-    </xsd:element>
-    <xsd:element name="Is_Collaboration_Space_Locked" ma:index="31" nillable="true" ma:displayName="Is Collaboration Space Locked" ma:internalName="Is_Collaboration_Space_Locked">
-      <xsd:simpleType>
-        <xsd:restriction base="dms:Boolean"/>
-      </xsd:simpleType>
-    </xsd:element>
-    <xsd:element name="MediaServiceGenerationTime" ma:index="34" nillable="true" ma:displayName="MediaServiceGenerationTime" ma:hidden="true" ma:internalName="MediaServiceGenerationTime" ma:readOnly="true">
-      <xsd:simpleType>
-        <xsd:restriction base="dms:Text"/>
-      </xsd:simpleType>
-    </xsd:element>
-    <xsd:element name="MediaServiceEventHashCode" ma:index="35" nillable="true" ma:displayName="MediaServiceEventHashCode" ma:hidden="true" ma:internalName="MediaServiceEventHashCode" ma:readOnly="true">
-      <xsd:simpleType>
-        <xsd:restriction base="dms:Text"/>
-      </xsd:simpleType>
-    </xsd:element>
-    <xsd:element name="MediaServiceAutoKeyPoints" ma:index="36" nillable="true" ma:displayName="MediaServiceAutoKeyPoints" ma:hidden="true" ma:internalName="MediaServiceAutoKeyPoints" ma:readOnly="true">
-      <xsd:simpleType>
-        <xsd:restriction base="dms:Note"/>
-      </xsd:simpleType>
-    </xsd:element>
-    <xsd:element name="MediaServiceKeyPoints" ma:index="37" nillable="true" ma:displayName="KeyPoints" ma:internalName="MediaServiceKeyPoints" ma:readOnly="true">
-      <xsd:simpleType>
-        <xsd:restriction base="dms:Note">
-          <xsd:maxLength value="255"/>
-        </xsd:restriction>
-      </xsd:simpleType>
-    </xsd:element>
-    <xsd:element name="MediaLengthInSeconds" ma:index="38" nillable="true" ma:displayName="Length (seconds)" ma:internalName="MediaLengthInSeconds" ma:readOnly="true">
-      <xsd:simpleType>
-        <xsd:restriction base="dms:Unknown"/>
       </xsd:simpleType>
     </xsd:element>
   </xsd:schema>
@@ -5573,47 +5378,13 @@
 <file path=customXml/item3.xml><?xml version="1.0" encoding="utf-8"?>
 <p:properties xmlns:p="http://schemas.microsoft.com/office/2006/metadata/properties" xmlns:xsi="http://www.w3.org/2001/XMLSchema-instance" xmlns:pc="http://schemas.microsoft.com/office/infopath/2007/PartnerControls">
   <documentManagement>
-    <CultureName xmlns="5662f12b-3453-4479-8b12-66d6bdcc6b72" xsi:nil="true"/>
-    <Leaders xmlns="5662f12b-3453-4479-8b12-66d6bdcc6b72">
+    <SharedWithUsers xmlns="34e6b996-c1f6-4024-b553-22dbb926185e">
       <UserInfo>
         <DisplayName/>
         <AccountId xsi:nil="true"/>
         <AccountType/>
       </UserInfo>
-    </Leaders>
-    <_ip_UnifiedCompliancePolicyUIAction xmlns="http://schemas.microsoft.com/sharepoint/v3" xsi:nil="true"/>
-    <DefaultSectionNames xmlns="5662f12b-3453-4479-8b12-66d6bdcc6b72" xsi:nil="true"/>
-    <Invited_Members xmlns="5662f12b-3453-4479-8b12-66d6bdcc6b72" xsi:nil="true"/>
-    <Is_Collaboration_Space_Locked xmlns="5662f12b-3453-4479-8b12-66d6bdcc6b72" xsi:nil="true"/>
-    <Member_Groups xmlns="5662f12b-3453-4479-8b12-66d6bdcc6b72">
-      <UserInfo>
-        <DisplayName/>
-        <AccountId xsi:nil="true"/>
-        <AccountType/>
-      </UserInfo>
-    </Member_Groups>
-    <Self_Registration_Enabled xmlns="5662f12b-3453-4479-8b12-66d6bdcc6b72" xsi:nil="true"/>
-    <FolderType xmlns="5662f12b-3453-4479-8b12-66d6bdcc6b72" xsi:nil="true"/>
-    <AppVersion xmlns="5662f12b-3453-4479-8b12-66d6bdcc6b72" xsi:nil="true"/>
-    <_ip_UnifiedCompliancePolicyProperties xmlns="http://schemas.microsoft.com/sharepoint/v3" xsi:nil="true"/>
-    <Templates xmlns="5662f12b-3453-4479-8b12-66d6bdcc6b72" xsi:nil="true"/>
-    <Members xmlns="5662f12b-3453-4479-8b12-66d6bdcc6b72">
-      <UserInfo>
-        <DisplayName/>
-        <AccountId xsi:nil="true"/>
-        <AccountType/>
-      </UserInfo>
-    </Members>
-    <Has_Leaders_Only_SectionGroup xmlns="5662f12b-3453-4479-8b12-66d6bdcc6b72" xsi:nil="true"/>
-    <NotebookType xmlns="5662f12b-3453-4479-8b12-66d6bdcc6b72" xsi:nil="true"/>
-    <Invited_Leaders xmlns="5662f12b-3453-4479-8b12-66d6bdcc6b72" xsi:nil="true"/>
-    <Owner xmlns="5662f12b-3453-4479-8b12-66d6bdcc6b72">
-      <UserInfo>
-        <DisplayName/>
-        <AccountId xsi:nil="true"/>
-        <AccountType/>
-      </UserInfo>
-    </Owner>
+    </SharedWithUsers>
   </documentManagement>
 </p:properties>
 </file>
@@ -5627,23 +5398,7 @@
 </file>
 
 <file path=customXml/itemProps2.xml><?xml version="1.0" encoding="utf-8"?>
-<ds:datastoreItem xmlns:ds="http://schemas.openxmlformats.org/officeDocument/2006/customXml" ds:itemID="{0044D3EB-59E4-4905-8140-991D60F5410A}">
-  <ds:schemaRefs>
-    <ds:schemaRef ds:uri="http://schemas.microsoft.com/office/2006/metadata/contentType"/>
-    <ds:schemaRef ds:uri="http://schemas.microsoft.com/office/2006/metadata/properties/metaAttributes"/>
-    <ds:schemaRef ds:uri="http://www.w3.org/2001/XMLSchema"/>
-    <ds:schemaRef ds:uri="http://schemas.microsoft.com/office/2006/metadata/properties"/>
-    <ds:schemaRef ds:uri="http://schemas.microsoft.com/sharepoint/v3"/>
-    <ds:schemaRef ds:uri="b248de5a-1419-4918-96b9-b3242b854abc"/>
-    <ds:schemaRef ds:uri="5662f12b-3453-4479-8b12-66d6bdcc6b72"/>
-    <ds:schemaRef ds:uri="http://schemas.microsoft.com/office/2006/documentManagement/types"/>
-    <ds:schemaRef ds:uri="http://schemas.microsoft.com/office/infopath/2007/PartnerControls"/>
-    <ds:schemaRef ds:uri="http://schemas.openxmlformats.org/package/2006/metadata/core-properties"/>
-    <ds:schemaRef ds:uri="http://purl.org/dc/elements/1.1/"/>
-    <ds:schemaRef ds:uri="http://purl.org/dc/terms/"/>
-    <ds:schemaRef ds:uri="http://schemas.microsoft.com/internal/obd"/>
-  </ds:schemaRefs>
-</ds:datastoreItem>
+<ds:datastoreItem xmlns:ds="http://schemas.openxmlformats.org/officeDocument/2006/customXml" ds:itemID="{F99427BD-8D21-42D5-901D-9F4A840F44E4}"/>
 </file>
 
 <file path=customXml/itemProps3.xml><?xml version="1.0" encoding="utf-8"?>

--- a/KnitR.pptx
+++ b/KnitR.pptx
@@ -5,15 +5,21 @@
     <p:sldMasterId id="2147483648" r:id="rId4"/>
   </p:sldMasterIdLst>
   <p:sldIdLst>
-    <p:sldId id="256" r:id="rId5"/>
-    <p:sldId id="265" r:id="rId6"/>
-    <p:sldId id="270" r:id="rId7"/>
-    <p:sldId id="271" r:id="rId8"/>
-    <p:sldId id="266" r:id="rId9"/>
-    <p:sldId id="272" r:id="rId10"/>
-    <p:sldId id="273" r:id="rId11"/>
-    <p:sldId id="267" r:id="rId12"/>
-    <p:sldId id="264" r:id="rId13"/>
+    <p:sldId id="274" r:id="rId5"/>
+    <p:sldId id="275" r:id="rId6"/>
+    <p:sldId id="278" r:id="rId7"/>
+    <p:sldId id="277" r:id="rId8"/>
+    <p:sldId id="256" r:id="rId9"/>
+    <p:sldId id="265" r:id="rId10"/>
+    <p:sldId id="270" r:id="rId11"/>
+    <p:sldId id="271" r:id="rId12"/>
+    <p:sldId id="266" r:id="rId13"/>
+    <p:sldId id="272" r:id="rId14"/>
+    <p:sldId id="273" r:id="rId15"/>
+    <p:sldId id="279" r:id="rId16"/>
+    <p:sldId id="267" r:id="rId17"/>
+    <p:sldId id="280" r:id="rId18"/>
+    <p:sldId id="264" r:id="rId19"/>
   </p:sldIdLst>
   <p:sldSz cx="12192000" cy="6858000"/>
   <p:notesSz cx="6858000" cy="9144000"/>
@@ -424,7 +430,7 @@
           <a:p>
             <a:fld id="{941BB892-304A-4DD9-BC59-5E78851F5B9E}" type="datetimeFigureOut">
               <a:rPr lang="en-US" smtClean="0"/>
-              <a:t>2/2/2022</a:t>
+              <a:t>2/3/2022</a:t>
             </a:fld>
             <a:endParaRPr lang="en-US"/>
           </a:p>
@@ -622,7 +628,7 @@
           <a:p>
             <a:fld id="{941BB892-304A-4DD9-BC59-5E78851F5B9E}" type="datetimeFigureOut">
               <a:rPr lang="en-US" smtClean="0"/>
-              <a:t>2/2/2022</a:t>
+              <a:t>2/3/2022</a:t>
             </a:fld>
             <a:endParaRPr lang="en-US"/>
           </a:p>
@@ -830,7 +836,7 @@
           <a:p>
             <a:fld id="{941BB892-304A-4DD9-BC59-5E78851F5B9E}" type="datetimeFigureOut">
               <a:rPr lang="en-US" smtClean="0"/>
-              <a:t>2/2/2022</a:t>
+              <a:t>2/3/2022</a:t>
             </a:fld>
             <a:endParaRPr lang="en-US"/>
           </a:p>
@@ -1028,7 +1034,7 @@
           <a:p>
             <a:fld id="{941BB892-304A-4DD9-BC59-5E78851F5B9E}" type="datetimeFigureOut">
               <a:rPr lang="en-US" smtClean="0"/>
-              <a:t>2/2/2022</a:t>
+              <a:t>2/3/2022</a:t>
             </a:fld>
             <a:endParaRPr lang="en-US"/>
           </a:p>
@@ -1303,7 +1309,7 @@
           <a:p>
             <a:fld id="{941BB892-304A-4DD9-BC59-5E78851F5B9E}" type="datetimeFigureOut">
               <a:rPr lang="en-US" smtClean="0"/>
-              <a:t>2/2/2022</a:t>
+              <a:t>2/3/2022</a:t>
             </a:fld>
             <a:endParaRPr lang="en-US"/>
           </a:p>
@@ -1568,7 +1574,7 @@
           <a:p>
             <a:fld id="{941BB892-304A-4DD9-BC59-5E78851F5B9E}" type="datetimeFigureOut">
               <a:rPr lang="en-US" smtClean="0"/>
-              <a:t>2/2/2022</a:t>
+              <a:t>2/3/2022</a:t>
             </a:fld>
             <a:endParaRPr lang="en-US"/>
           </a:p>
@@ -1980,7 +1986,7 @@
           <a:p>
             <a:fld id="{941BB892-304A-4DD9-BC59-5E78851F5B9E}" type="datetimeFigureOut">
               <a:rPr lang="en-US" smtClean="0"/>
-              <a:t>2/2/2022</a:t>
+              <a:t>2/3/2022</a:t>
             </a:fld>
             <a:endParaRPr lang="en-US"/>
           </a:p>
@@ -2121,7 +2127,7 @@
           <a:p>
             <a:fld id="{941BB892-304A-4DD9-BC59-5E78851F5B9E}" type="datetimeFigureOut">
               <a:rPr lang="en-US" smtClean="0"/>
-              <a:t>2/2/2022</a:t>
+              <a:t>2/3/2022</a:t>
             </a:fld>
             <a:endParaRPr lang="en-US"/>
           </a:p>
@@ -2234,7 +2240,7 @@
           <a:p>
             <a:fld id="{941BB892-304A-4DD9-BC59-5E78851F5B9E}" type="datetimeFigureOut">
               <a:rPr lang="en-US" smtClean="0"/>
-              <a:t>2/2/2022</a:t>
+              <a:t>2/3/2022</a:t>
             </a:fld>
             <a:endParaRPr lang="en-US"/>
           </a:p>
@@ -2545,7 +2551,7 @@
           <a:p>
             <a:fld id="{941BB892-304A-4DD9-BC59-5E78851F5B9E}" type="datetimeFigureOut">
               <a:rPr lang="en-US" smtClean="0"/>
-              <a:t>2/2/2022</a:t>
+              <a:t>2/3/2022</a:t>
             </a:fld>
             <a:endParaRPr lang="en-US"/>
           </a:p>
@@ -2833,7 +2839,7 @@
           <a:p>
             <a:fld id="{941BB892-304A-4DD9-BC59-5E78851F5B9E}" type="datetimeFigureOut">
               <a:rPr lang="en-US" smtClean="0"/>
-              <a:t>2/2/2022</a:t>
+              <a:t>2/3/2022</a:t>
             </a:fld>
             <a:endParaRPr lang="en-US"/>
           </a:p>
@@ -3077,7 +3083,7 @@
           <a:p>
             <a:fld id="{941BB892-304A-4DD9-BC59-5E78851F5B9E}" type="datetimeFigureOut">
               <a:rPr lang="en-US" smtClean="0"/>
-              <a:t>2/2/2022</a:t>
+              <a:t>2/3/2022</a:t>
             </a:fld>
             <a:endParaRPr lang="en-US"/>
           </a:p>
@@ -3518,7 +3524,7 @@
         </p:spPr>
         <p:txBody>
           <a:bodyPr>
-            <a:normAutofit/>
+            <a:normAutofit fontScale="90000"/>
           </a:bodyPr>
           <a:lstStyle/>
           <a:p>
@@ -3531,7 +3537,7 @@
                 <a:latin typeface="Times New Roman" panose="02020603050405020304" pitchFamily="18" charset="0"/>
                 <a:cs typeface="Times New Roman" panose="02020603050405020304" pitchFamily="18" charset="0"/>
               </a:rPr>
-              <a:t>Three ways working directories are determined:</a:t>
+              <a:t>Type of objects in R:</a:t>
             </a:r>
             <a:br>
               <a:rPr lang="en-US" u="sng" dirty="0">
@@ -3543,76 +3549,203 @@
               </a:rPr>
             </a:br>
             <a:r>
-              <a:rPr lang="en-US" dirty="0">
-                <a:solidFill>
-                  <a:srgbClr val="FFFF00"/>
-                </a:solidFill>
-                <a:latin typeface="Times New Roman" panose="02020603050405020304" pitchFamily="18" charset="0"/>
-                <a:cs typeface="Times New Roman" panose="02020603050405020304" pitchFamily="18" charset="0"/>
-              </a:rPr>
-              <a:t>The R way</a:t>
-            </a:r>
-            <a:br>
-              <a:rPr lang="en-US" dirty="0">
-                <a:solidFill>
-                  <a:srgbClr val="FFFF00"/>
-                </a:solidFill>
-                <a:latin typeface="Times New Roman" panose="02020603050405020304" pitchFamily="18" charset="0"/>
-                <a:cs typeface="Times New Roman" panose="02020603050405020304" pitchFamily="18" charset="0"/>
-              </a:rPr>
-            </a:br>
-            <a:r>
-              <a:rPr lang="en-US" dirty="0">
-                <a:solidFill>
-                  <a:srgbClr val="FFFF00"/>
-                </a:solidFill>
-                <a:latin typeface="Times New Roman" panose="02020603050405020304" pitchFamily="18" charset="0"/>
-                <a:cs typeface="Times New Roman" panose="02020603050405020304" pitchFamily="18" charset="0"/>
-              </a:rPr>
-              <a:t>The RStudio Projects way</a:t>
-            </a:r>
-            <a:br>
-              <a:rPr lang="en-US" dirty="0">
-                <a:solidFill>
-                  <a:srgbClr val="FFFF00"/>
-                </a:solidFill>
-                <a:latin typeface="Times New Roman" panose="02020603050405020304" pitchFamily="18" charset="0"/>
-                <a:cs typeface="Times New Roman" panose="02020603050405020304" pitchFamily="18" charset="0"/>
-              </a:rPr>
-            </a:br>
-            <a:r>
-              <a:rPr lang="en-US" dirty="0">
-                <a:solidFill>
-                  <a:srgbClr val="FFFF00"/>
-                </a:solidFill>
-                <a:latin typeface="Times New Roman" panose="02020603050405020304" pitchFamily="18" charset="0"/>
-                <a:cs typeface="Times New Roman" panose="02020603050405020304" pitchFamily="18" charset="0"/>
-              </a:rPr>
-              <a:t>The way of the rest of the programming world</a:t>
-            </a:r>
-            <a:br>
-              <a:rPr lang="en-US" u="sng" dirty="0">
-                <a:solidFill>
-                  <a:srgbClr val="FFFF00"/>
-                </a:solidFill>
-                <a:latin typeface="Times New Roman" panose="02020603050405020304" pitchFamily="18" charset="0"/>
-                <a:cs typeface="Times New Roman" panose="02020603050405020304" pitchFamily="18" charset="0"/>
-              </a:rPr>
-            </a:br>
-            <a:endParaRPr lang="en-US" dirty="0">
-              <a:solidFill>
-                <a:srgbClr val="FFFF00"/>
-              </a:solidFill>
-              <a:latin typeface="Times New Roman" panose="02020603050405020304" pitchFamily="18" charset="0"/>
-              <a:cs typeface="Times New Roman" panose="02020603050405020304" pitchFamily="18" charset="0"/>
-            </a:endParaRPr>
+              <a:rPr lang="en-US" b="1" u="sng" dirty="0">
+                <a:solidFill>
+                  <a:srgbClr val="FFFF00"/>
+                </a:solidFill>
+                <a:latin typeface="Times New Roman" panose="02020603050405020304" pitchFamily="18" charset="0"/>
+                <a:cs typeface="Times New Roman" panose="02020603050405020304" pitchFamily="18" charset="0"/>
+              </a:rPr>
+              <a:t>Vector</a:t>
+            </a:r>
+            <a:r>
+              <a:rPr lang="en-US" dirty="0">
+                <a:solidFill>
+                  <a:srgbClr val="FFFF00"/>
+                </a:solidFill>
+                <a:latin typeface="Times New Roman" panose="02020603050405020304" pitchFamily="18" charset="0"/>
+                <a:cs typeface="Times New Roman" panose="02020603050405020304" pitchFamily="18" charset="0"/>
+              </a:rPr>
+              <a:t>: 1D values of same type</a:t>
+            </a:r>
+            <a:br>
+              <a:rPr lang="en-US" dirty="0">
+                <a:solidFill>
+                  <a:srgbClr val="FFFF00"/>
+                </a:solidFill>
+                <a:latin typeface="Times New Roman" panose="02020603050405020304" pitchFamily="18" charset="0"/>
+                <a:cs typeface="Times New Roman" panose="02020603050405020304" pitchFamily="18" charset="0"/>
+              </a:rPr>
+            </a:br>
+            <a:br>
+              <a:rPr lang="en-US" dirty="0">
+                <a:solidFill>
+                  <a:srgbClr val="FFFF00"/>
+                </a:solidFill>
+                <a:latin typeface="Times New Roman" panose="02020603050405020304" pitchFamily="18" charset="0"/>
+                <a:cs typeface="Times New Roman" panose="02020603050405020304" pitchFamily="18" charset="0"/>
+              </a:rPr>
+            </a:br>
+            <a:r>
+              <a:rPr lang="en-US" b="1" u="sng" dirty="0">
+                <a:solidFill>
+                  <a:srgbClr val="FFFF00"/>
+                </a:solidFill>
+                <a:latin typeface="Times New Roman" panose="02020603050405020304" pitchFamily="18" charset="0"/>
+                <a:cs typeface="Times New Roman" panose="02020603050405020304" pitchFamily="18" charset="0"/>
+              </a:rPr>
+              <a:t>Matrix</a:t>
+            </a:r>
+            <a:r>
+              <a:rPr lang="en-US" dirty="0">
+                <a:solidFill>
+                  <a:srgbClr val="FFFF00"/>
+                </a:solidFill>
+                <a:latin typeface="Times New Roman" panose="02020603050405020304" pitchFamily="18" charset="0"/>
+                <a:cs typeface="Times New Roman" panose="02020603050405020304" pitchFamily="18" charset="0"/>
+              </a:rPr>
+              <a:t>: 2D vector</a:t>
+            </a:r>
+            <a:br>
+              <a:rPr lang="en-US" dirty="0">
+                <a:solidFill>
+                  <a:srgbClr val="FFFF00"/>
+                </a:solidFill>
+                <a:latin typeface="Times New Roman" panose="02020603050405020304" pitchFamily="18" charset="0"/>
+                <a:cs typeface="Times New Roman" panose="02020603050405020304" pitchFamily="18" charset="0"/>
+              </a:rPr>
+            </a:br>
+            <a:r>
+              <a:rPr lang="en-US" dirty="0">
+                <a:solidFill>
+                  <a:srgbClr val="FFFF00"/>
+                </a:solidFill>
+                <a:latin typeface="Times New Roman" panose="02020603050405020304" pitchFamily="18" charset="0"/>
+                <a:cs typeface="Times New Roman" panose="02020603050405020304" pitchFamily="18" charset="0"/>
+              </a:rPr>
+              <a:t> all rows and columns are the same size</a:t>
+            </a:r>
+            <a:br>
+              <a:rPr lang="en-US" dirty="0">
+                <a:solidFill>
+                  <a:srgbClr val="FFFF00"/>
+                </a:solidFill>
+                <a:latin typeface="Times New Roman" panose="02020603050405020304" pitchFamily="18" charset="0"/>
+                <a:cs typeface="Times New Roman" panose="02020603050405020304" pitchFamily="18" charset="0"/>
+              </a:rPr>
+            </a:br>
+            <a:br>
+              <a:rPr lang="en-US" dirty="0">
+                <a:solidFill>
+                  <a:srgbClr val="FFFF00"/>
+                </a:solidFill>
+                <a:latin typeface="Times New Roman" panose="02020603050405020304" pitchFamily="18" charset="0"/>
+                <a:cs typeface="Times New Roman" panose="02020603050405020304" pitchFamily="18" charset="0"/>
+              </a:rPr>
+            </a:br>
+            <a:r>
+              <a:rPr lang="en-US" b="1" u="sng" dirty="0">
+                <a:solidFill>
+                  <a:srgbClr val="FFFF00"/>
+                </a:solidFill>
+                <a:latin typeface="Times New Roman" panose="02020603050405020304" pitchFamily="18" charset="0"/>
+                <a:cs typeface="Times New Roman" panose="02020603050405020304" pitchFamily="18" charset="0"/>
+              </a:rPr>
+              <a:t>Data Frame</a:t>
+            </a:r>
+            <a:r>
+              <a:rPr lang="en-US" dirty="0">
+                <a:solidFill>
+                  <a:srgbClr val="FFFF00"/>
+                </a:solidFill>
+                <a:latin typeface="Times New Roman" panose="02020603050405020304" pitchFamily="18" charset="0"/>
+                <a:cs typeface="Times New Roman" panose="02020603050405020304" pitchFamily="18" charset="0"/>
+              </a:rPr>
+              <a:t>: Matrix, but columns are of different type</a:t>
+            </a:r>
+            <a:br>
+              <a:rPr lang="en-US" dirty="0">
+                <a:solidFill>
+                  <a:srgbClr val="FFFF00"/>
+                </a:solidFill>
+                <a:latin typeface="Times New Roman" panose="02020603050405020304" pitchFamily="18" charset="0"/>
+                <a:cs typeface="Times New Roman" panose="02020603050405020304" pitchFamily="18" charset="0"/>
+              </a:rPr>
+            </a:br>
+            <a:br>
+              <a:rPr lang="en-US" dirty="0">
+                <a:solidFill>
+                  <a:srgbClr val="FFFF00"/>
+                </a:solidFill>
+                <a:latin typeface="Times New Roman" panose="02020603050405020304" pitchFamily="18" charset="0"/>
+                <a:cs typeface="Times New Roman" panose="02020603050405020304" pitchFamily="18" charset="0"/>
+              </a:rPr>
+            </a:br>
+            <a:r>
+              <a:rPr lang="en-US" b="1" u="sng" dirty="0">
+                <a:solidFill>
+                  <a:srgbClr val="FFFF00"/>
+                </a:solidFill>
+                <a:latin typeface="Times New Roman" panose="02020603050405020304" pitchFamily="18" charset="0"/>
+                <a:cs typeface="Times New Roman" panose="02020603050405020304" pitchFamily="18" charset="0"/>
+              </a:rPr>
+              <a:t>Arrays</a:t>
+            </a:r>
+            <a:r>
+              <a:rPr lang="en-US" dirty="0">
+                <a:solidFill>
+                  <a:srgbClr val="FFFF00"/>
+                </a:solidFill>
+                <a:latin typeface="Times New Roman" panose="02020603050405020304" pitchFamily="18" charset="0"/>
+                <a:cs typeface="Times New Roman" panose="02020603050405020304" pitchFamily="18" charset="0"/>
+              </a:rPr>
+              <a:t>: Data Frames in 3D+</a:t>
+            </a:r>
+            <a:br>
+              <a:rPr lang="en-US" dirty="0">
+                <a:solidFill>
+                  <a:srgbClr val="FFFF00"/>
+                </a:solidFill>
+                <a:latin typeface="Times New Roman" panose="02020603050405020304" pitchFamily="18" charset="0"/>
+                <a:cs typeface="Times New Roman" panose="02020603050405020304" pitchFamily="18" charset="0"/>
+              </a:rPr>
+            </a:br>
+            <a:br>
+              <a:rPr lang="en-US" dirty="0">
+                <a:solidFill>
+                  <a:srgbClr val="FFFF00"/>
+                </a:solidFill>
+                <a:latin typeface="Times New Roman" panose="02020603050405020304" pitchFamily="18" charset="0"/>
+                <a:cs typeface="Times New Roman" panose="02020603050405020304" pitchFamily="18" charset="0"/>
+              </a:rPr>
+            </a:br>
+            <a:r>
+              <a:rPr lang="en-US" b="1" u="sng" dirty="0">
+                <a:solidFill>
+                  <a:srgbClr val="FFFF00"/>
+                </a:solidFill>
+                <a:latin typeface="Times New Roman" panose="02020603050405020304" pitchFamily="18" charset="0"/>
+                <a:cs typeface="Times New Roman" panose="02020603050405020304" pitchFamily="18" charset="0"/>
+              </a:rPr>
+              <a:t>Lists</a:t>
+            </a:r>
+            <a:r>
+              <a:rPr lang="en-US" dirty="0">
+                <a:solidFill>
+                  <a:srgbClr val="FFFF00"/>
+                </a:solidFill>
+                <a:latin typeface="Times New Roman" panose="02020603050405020304" pitchFamily="18" charset="0"/>
+                <a:cs typeface="Times New Roman" panose="02020603050405020304" pitchFamily="18" charset="0"/>
+              </a:rPr>
+              <a:t>: Arrays, but rows and columns can be of different sizes</a:t>
+            </a:r>
           </a:p>
         </p:txBody>
       </p:sp>
     </p:spTree>
     <p:extLst>
       <p:ext uri="{BB962C8B-B14F-4D97-AF65-F5344CB8AC3E}">
-        <p14:creationId xmlns:p14="http://schemas.microsoft.com/office/powerpoint/2010/main" val="947962440"/>
+        <p14:creationId xmlns:p14="http://schemas.microsoft.com/office/powerpoint/2010/main" val="659467420"/>
       </p:ext>
     </p:extLst>
   </p:cSld>
@@ -3622,7 +3755,7 @@
 </p:sld>
 </file>
 
-<file path=ppt/slides/slide2.xml><?xml version="1.0" encoding="utf-8"?>
+<file path=ppt/slides/slide10.xml><?xml version="1.0" encoding="utf-8"?>
 <p:sld xmlns:a="http://schemas.openxmlformats.org/drawingml/2006/main" xmlns:r="http://schemas.openxmlformats.org/officeDocument/2006/relationships" xmlns:p="http://schemas.openxmlformats.org/presentationml/2006/main">
   <p:cSld>
     <p:spTree>
@@ -3669,6 +3802,16 @@
           <a:p>
             <a:pPr algn="ctr"/>
             <a:r>
+              <a:rPr lang="en-US" u="sng" dirty="0" err="1">
+                <a:solidFill>
+                  <a:srgbClr val="FFFF00"/>
+                </a:solidFill>
+                <a:latin typeface="Times New Roman" panose="02020603050405020304" pitchFamily="18" charset="0"/>
+                <a:cs typeface="Times New Roman" panose="02020603050405020304" pitchFamily="18" charset="0"/>
+              </a:rPr>
+              <a:t>RMarkDown</a:t>
+            </a:r>
+            <a:r>
               <a:rPr lang="en-US" u="sng" dirty="0">
                 <a:solidFill>
                   <a:srgbClr val="FFFF00"/>
@@ -3676,7 +3819,7 @@
                 <a:latin typeface="Times New Roman" panose="02020603050405020304" pitchFamily="18" charset="0"/>
                 <a:cs typeface="Times New Roman" panose="02020603050405020304" pitchFamily="18" charset="0"/>
               </a:rPr>
-              <a:t>Working Directories: The R way</a:t>
+              <a:t>:</a:t>
             </a:r>
             <a:br>
               <a:rPr lang="en-US" u="sng" dirty="0">
@@ -3695,83 +3838,137 @@
                 <a:latin typeface="Times New Roman" panose="02020603050405020304" pitchFamily="18" charset="0"/>
                 <a:cs typeface="Times New Roman" panose="02020603050405020304" pitchFamily="18" charset="0"/>
               </a:rPr>
-              <a:t>Working directory is a </a:t>
-            </a:r>
-            <a:r>
-              <a:rPr lang="en-US" dirty="0">
-                <a:solidFill>
-                  <a:srgbClr val="FF0000"/>
-                </a:solidFill>
-                <a:latin typeface="Times New Roman" panose="02020603050405020304" pitchFamily="18" charset="0"/>
-                <a:cs typeface="Times New Roman" panose="02020603050405020304" pitchFamily="18" charset="0"/>
-              </a:rPr>
-              <a:t>Session Variable </a:t>
-            </a:r>
-            <a:r>
-              <a:rPr lang="en-US" dirty="0">
-                <a:solidFill>
-                  <a:srgbClr val="FFFF00"/>
-                </a:solidFill>
-                <a:latin typeface="Times New Roman" panose="02020603050405020304" pitchFamily="18" charset="0"/>
-                <a:cs typeface="Times New Roman" panose="02020603050405020304" pitchFamily="18" charset="0"/>
-              </a:rPr>
-              <a:t>– meaning all open script files have the same Working Directory.</a:t>
-            </a:r>
-            <a:br>
-              <a:rPr lang="en-US" dirty="0">
-                <a:solidFill>
-                  <a:srgbClr val="FFFF00"/>
-                </a:solidFill>
-                <a:latin typeface="Times New Roman" panose="02020603050405020304" pitchFamily="18" charset="0"/>
-                <a:cs typeface="Times New Roman" panose="02020603050405020304" pitchFamily="18" charset="0"/>
-              </a:rPr>
-            </a:br>
-            <a:br>
-              <a:rPr lang="en-US" dirty="0">
-                <a:solidFill>
-                  <a:srgbClr val="FFFF00"/>
-                </a:solidFill>
-                <a:latin typeface="Times New Roman" panose="02020603050405020304" pitchFamily="18" charset="0"/>
-                <a:cs typeface="Times New Roman" panose="02020603050405020304" pitchFamily="18" charset="0"/>
-              </a:rPr>
-            </a:br>
-            <a:r>
-              <a:rPr lang="en-US" dirty="0">
-                <a:solidFill>
-                  <a:srgbClr val="FFFF00"/>
-                </a:solidFill>
-                <a:latin typeface="Times New Roman" panose="02020603050405020304" pitchFamily="18" charset="0"/>
-                <a:cs typeface="Times New Roman" panose="02020603050405020304" pitchFamily="18" charset="0"/>
-              </a:rPr>
-              <a:t>If no Working Directory is set in script, the Working Directory is the folder that contains the first opened script.</a:t>
-            </a:r>
-            <a:br>
-              <a:rPr lang="en-US" dirty="0">
-                <a:solidFill>
-                  <a:srgbClr val="FFFF00"/>
-                </a:solidFill>
-                <a:latin typeface="Times New Roman" panose="02020603050405020304" pitchFamily="18" charset="0"/>
-                <a:cs typeface="Times New Roman" panose="02020603050405020304" pitchFamily="18" charset="0"/>
-              </a:rPr>
-            </a:br>
-            <a:br>
-              <a:rPr lang="en-US" dirty="0">
-                <a:solidFill>
-                  <a:srgbClr val="FFFF00"/>
-                </a:solidFill>
-                <a:latin typeface="Times New Roman" panose="02020603050405020304" pitchFamily="18" charset="0"/>
-                <a:cs typeface="Times New Roman" panose="02020603050405020304" pitchFamily="18" charset="0"/>
-              </a:rPr>
-            </a:br>
-            <a:r>
-              <a:rPr lang="en-US" dirty="0">
-                <a:solidFill>
-                  <a:srgbClr val="FFFF00"/>
-                </a:solidFill>
-                <a:latin typeface="Times New Roman" panose="02020603050405020304" pitchFamily="18" charset="0"/>
-                <a:cs typeface="Times New Roman" panose="02020603050405020304" pitchFamily="18" charset="0"/>
-              </a:rPr>
-              <a:t>Changing the Working Directory in one open script change it for all open scripts.</a:t>
+              <a:t>RMD produces HTML (web pages), LaTeX (PDF), and OOXML (DOCX).</a:t>
+            </a:r>
+            <a:br>
+              <a:rPr lang="en-US" dirty="0">
+                <a:solidFill>
+                  <a:srgbClr val="FFFF00"/>
+                </a:solidFill>
+                <a:latin typeface="Times New Roman" panose="02020603050405020304" pitchFamily="18" charset="0"/>
+                <a:cs typeface="Times New Roman" panose="02020603050405020304" pitchFamily="18" charset="0"/>
+              </a:rPr>
+            </a:br>
+            <a:br>
+              <a:rPr lang="en-US" dirty="0">
+                <a:solidFill>
+                  <a:srgbClr val="FFFF00"/>
+                </a:solidFill>
+                <a:latin typeface="Times New Roman" panose="02020603050405020304" pitchFamily="18" charset="0"/>
+                <a:cs typeface="Times New Roman" panose="02020603050405020304" pitchFamily="18" charset="0"/>
+              </a:rPr>
+            </a:br>
+            <a:r>
+              <a:rPr lang="en-US" dirty="0">
+                <a:solidFill>
+                  <a:srgbClr val="FFFF00"/>
+                </a:solidFill>
+                <a:latin typeface="Times New Roman" panose="02020603050405020304" pitchFamily="18" charset="0"/>
+                <a:cs typeface="Times New Roman" panose="02020603050405020304" pitchFamily="18" charset="0"/>
+              </a:rPr>
+              <a:t>It does none of them well!  Hence, you are limited to very basic formatting</a:t>
+            </a:r>
+            <a:br>
+              <a:rPr lang="en-US" dirty="0">
+                <a:solidFill>
+                  <a:srgbClr val="FFFF00"/>
+                </a:solidFill>
+                <a:latin typeface="Times New Roman" panose="02020603050405020304" pitchFamily="18" charset="0"/>
+                <a:cs typeface="Times New Roman" panose="02020603050405020304" pitchFamily="18" charset="0"/>
+              </a:rPr>
+            </a:br>
+            <a:br>
+              <a:rPr lang="en-US" dirty="0">
+                <a:solidFill>
+                  <a:srgbClr val="FFFF00"/>
+                </a:solidFill>
+                <a:latin typeface="Times New Roman" panose="02020603050405020304" pitchFamily="18" charset="0"/>
+                <a:cs typeface="Times New Roman" panose="02020603050405020304" pitchFamily="18" charset="0"/>
+              </a:rPr>
+            </a:br>
+            <a:r>
+              <a:rPr lang="en-US" dirty="0">
+                <a:solidFill>
+                  <a:srgbClr val="FFFF00"/>
+                </a:solidFill>
+                <a:latin typeface="Times New Roman" panose="02020603050405020304" pitchFamily="18" charset="0"/>
+                <a:cs typeface="Times New Roman" panose="02020603050405020304" pitchFamily="18" charset="0"/>
+              </a:rPr>
+              <a:t>You can skip RMD and directly use HTML, LaTeX, or OOXML in </a:t>
+            </a:r>
+            <a:r>
+              <a:rPr lang="en-US" dirty="0" err="1">
+                <a:solidFill>
+                  <a:srgbClr val="FFFF00"/>
+                </a:solidFill>
+                <a:latin typeface="Times New Roman" panose="02020603050405020304" pitchFamily="18" charset="0"/>
+                <a:cs typeface="Times New Roman" panose="02020603050405020304" pitchFamily="18" charset="0"/>
+              </a:rPr>
+              <a:t>KnitR</a:t>
+            </a:r>
+            <a:r>
+              <a:rPr lang="en-US" dirty="0">
+                <a:solidFill>
+                  <a:srgbClr val="FFFF00"/>
+                </a:solidFill>
+                <a:latin typeface="Times New Roman" panose="02020603050405020304" pitchFamily="18" charset="0"/>
+                <a:cs typeface="Times New Roman" panose="02020603050405020304" pitchFamily="18" charset="0"/>
+              </a:rPr>
+              <a:t>.  I’d only recommend HTML.</a:t>
+            </a:r>
+            <a:br>
+              <a:rPr lang="en-US" dirty="0">
+                <a:solidFill>
+                  <a:srgbClr val="FFFF00"/>
+                </a:solidFill>
+                <a:latin typeface="Times New Roman" panose="02020603050405020304" pitchFamily="18" charset="0"/>
+                <a:cs typeface="Times New Roman" panose="02020603050405020304" pitchFamily="18" charset="0"/>
+              </a:rPr>
+            </a:br>
+            <a:r>
+              <a:rPr lang="en-US" dirty="0">
+                <a:solidFill>
+                  <a:srgbClr val="FFFF00"/>
+                </a:solidFill>
+                <a:latin typeface="Times New Roman" panose="02020603050405020304" pitchFamily="18" charset="0"/>
+                <a:cs typeface="Times New Roman" panose="02020603050405020304" pitchFamily="18" charset="0"/>
+              </a:rPr>
+              <a:t> </a:t>
+            </a:r>
+          </a:p>
+        </p:txBody>
+      </p:sp>
+      <p:sp>
+        <p:nvSpPr>
+          <p:cNvPr id="4" name="TextBox 3">
+            <a:extLst>
+              <a:ext uri="{FF2B5EF4-FFF2-40B4-BE49-F238E27FC236}">
+                <a16:creationId xmlns:a16="http://schemas.microsoft.com/office/drawing/2014/main" id="{7173CBCA-9686-4C7B-B844-16CD478CA249}"/>
+              </a:ext>
+            </a:extLst>
+          </p:cNvPr>
+          <p:cNvSpPr txBox="1"/>
+          <p:nvPr/>
+        </p:nvSpPr>
+        <p:spPr>
+          <a:xfrm>
+            <a:off x="3020786" y="3244334"/>
+            <a:ext cx="6198324" cy="369332"/>
+          </a:xfrm>
+          <a:prstGeom prst="rect">
+            <a:avLst/>
+          </a:prstGeom>
+          <a:noFill/>
+        </p:spPr>
+        <p:txBody>
+          <a:bodyPr wrap="square">
+            <a:spAutoFit/>
+          </a:bodyPr>
+          <a:lstStyle/>
+          <a:p>
+            <a:r>
+              <a:rPr lang="vi-VN" dirty="0"/>
+              <a:t>lesson05-ModifyMappedElements-new.R</a:t>
             </a:r>
           </a:p>
         </p:txBody>
@@ -3779,7 +3976,7 @@
     </p:spTree>
     <p:extLst>
       <p:ext uri="{BB962C8B-B14F-4D97-AF65-F5344CB8AC3E}">
-        <p14:creationId xmlns:p14="http://schemas.microsoft.com/office/powerpoint/2010/main" val="2203167127"/>
+        <p14:creationId xmlns:p14="http://schemas.microsoft.com/office/powerpoint/2010/main" val="268168094"/>
       </p:ext>
     </p:extLst>
   </p:cSld>
@@ -3789,7 +3986,7 @@
 </p:sld>
 </file>
 
-<file path=ppt/slides/slide3.xml><?xml version="1.0" encoding="utf-8"?>
+<file path=ppt/slides/slide11.xml><?xml version="1.0" encoding="utf-8"?>
 <p:sld xmlns:a="http://schemas.openxmlformats.org/drawingml/2006/main" xmlns:r="http://schemas.openxmlformats.org/officeDocument/2006/relationships" xmlns:p="http://schemas.openxmlformats.org/presentationml/2006/main">
   <p:cSld>
     <p:spTree>
@@ -3836,6 +4033,16 @@
           <a:p>
             <a:pPr algn="ctr"/>
             <a:r>
+              <a:rPr lang="en-US" u="sng" dirty="0" err="1">
+                <a:solidFill>
+                  <a:srgbClr val="FFFF00"/>
+                </a:solidFill>
+                <a:latin typeface="Times New Roman" panose="02020603050405020304" pitchFamily="18" charset="0"/>
+                <a:cs typeface="Times New Roman" panose="02020603050405020304" pitchFamily="18" charset="0"/>
+              </a:rPr>
+              <a:t>KnitR</a:t>
+            </a:r>
+            <a:r>
               <a:rPr lang="en-US" u="sng" dirty="0">
                 <a:solidFill>
                   <a:srgbClr val="FFFF00"/>
@@ -3843,7 +4050,7 @@
                 <a:latin typeface="Times New Roman" panose="02020603050405020304" pitchFamily="18" charset="0"/>
                 <a:cs typeface="Times New Roman" panose="02020603050405020304" pitchFamily="18" charset="0"/>
               </a:rPr>
-              <a:t>Working Directories: The RStudio Projects way</a:t>
+              <a:t> first time:</a:t>
             </a:r>
             <a:br>
               <a:rPr lang="en-US" u="sng" dirty="0">
@@ -3857,88 +4064,241 @@
             <a:r>
               <a:rPr lang="en-US" dirty="0">
                 <a:solidFill>
-                  <a:srgbClr val="FFFF00"/>
-                </a:solidFill>
-                <a:latin typeface="Times New Roman" panose="02020603050405020304" pitchFamily="18" charset="0"/>
-                <a:cs typeface="Times New Roman" panose="02020603050405020304" pitchFamily="18" charset="0"/>
-              </a:rPr>
-              <a:t>A hack on R…</a:t>
-            </a:r>
-            <a:br>
-              <a:rPr lang="en-US" dirty="0">
-                <a:solidFill>
-                  <a:srgbClr val="FFFF00"/>
-                </a:solidFill>
-                <a:latin typeface="Times New Roman" panose="02020603050405020304" pitchFamily="18" charset="0"/>
-                <a:cs typeface="Times New Roman" panose="02020603050405020304" pitchFamily="18" charset="0"/>
-              </a:rPr>
-            </a:br>
-            <a:br>
-              <a:rPr lang="en-US" dirty="0">
-                <a:solidFill>
-                  <a:srgbClr val="FFFF00"/>
-                </a:solidFill>
-                <a:latin typeface="Times New Roman" panose="02020603050405020304" pitchFamily="18" charset="0"/>
-                <a:cs typeface="Times New Roman" panose="02020603050405020304" pitchFamily="18" charset="0"/>
-              </a:rPr>
-            </a:br>
-            <a:r>
-              <a:rPr lang="en-US" dirty="0">
-                <a:solidFill>
-                  <a:srgbClr val="FFFF00"/>
-                </a:solidFill>
-                <a:latin typeface="Times New Roman" panose="02020603050405020304" pitchFamily="18" charset="0"/>
-                <a:cs typeface="Times New Roman" panose="02020603050405020304" pitchFamily="18" charset="0"/>
-              </a:rPr>
-              <a:t>RStudio Projects create a new Session that sets the Working Directory to the Project Folder (the folder with the *.</a:t>
+                  <a:srgbClr val="C00000"/>
+                </a:solidFill>
+                <a:latin typeface="Times New Roman" panose="02020603050405020304" pitchFamily="18" charset="0"/>
+                <a:cs typeface="Times New Roman" panose="02020603050405020304" pitchFamily="18" charset="0"/>
+              </a:rPr>
+              <a:t>File </a:t>
+            </a:r>
+            <a:r>
+              <a:rPr lang="en-US" dirty="0">
+                <a:solidFill>
+                  <a:srgbClr val="C00000"/>
+                </a:solidFill>
+                <a:latin typeface="Times New Roman" panose="02020603050405020304" pitchFamily="18" charset="0"/>
+                <a:cs typeface="Times New Roman" panose="02020603050405020304" pitchFamily="18" charset="0"/>
+                <a:sym typeface="Wingdings" panose="05000000000000000000" pitchFamily="2" charset="2"/>
+              </a:rPr>
+              <a:t> New File  </a:t>
             </a:r>
             <a:r>
               <a:rPr lang="en-US" dirty="0" err="1">
                 <a:solidFill>
-                  <a:srgbClr val="FFFF00"/>
-                </a:solidFill>
-                <a:latin typeface="Times New Roman" panose="02020603050405020304" pitchFamily="18" charset="0"/>
-                <a:cs typeface="Times New Roman" panose="02020603050405020304" pitchFamily="18" charset="0"/>
-              </a:rPr>
-              <a:t>Rproj</a:t>
-            </a:r>
-            <a:r>
-              <a:rPr lang="en-US" dirty="0">
-                <a:solidFill>
-                  <a:srgbClr val="FFFF00"/>
-                </a:solidFill>
-                <a:latin typeface="Times New Roman" panose="02020603050405020304" pitchFamily="18" charset="0"/>
-                <a:cs typeface="Times New Roman" panose="02020603050405020304" pitchFamily="18" charset="0"/>
-              </a:rPr>
-              <a:t> file)</a:t>
-            </a:r>
-            <a:br>
-              <a:rPr lang="en-US" dirty="0">
-                <a:solidFill>
-                  <a:srgbClr val="FFFF00"/>
-                </a:solidFill>
-                <a:latin typeface="Times New Roman" panose="02020603050405020304" pitchFamily="18" charset="0"/>
-                <a:cs typeface="Times New Roman" panose="02020603050405020304" pitchFamily="18" charset="0"/>
-              </a:rPr>
-            </a:br>
-            <a:br>
-              <a:rPr lang="en-US" dirty="0">
-                <a:solidFill>
-                  <a:srgbClr val="FFFF00"/>
-                </a:solidFill>
-                <a:latin typeface="Times New Roman" panose="02020603050405020304" pitchFamily="18" charset="0"/>
-                <a:cs typeface="Times New Roman" panose="02020603050405020304" pitchFamily="18" charset="0"/>
-              </a:rPr>
-            </a:br>
-            <a:r>
-              <a:rPr lang="en-US" dirty="0">
-                <a:solidFill>
-                  <a:srgbClr val="FFFF00"/>
-                </a:solidFill>
-                <a:latin typeface="Times New Roman" panose="02020603050405020304" pitchFamily="18" charset="0"/>
-                <a:cs typeface="Times New Roman" panose="02020603050405020304" pitchFamily="18" charset="0"/>
-              </a:rPr>
-              <a:t>You can have multiple RStudio Project in multiple Sessions – and they will have different Working Directories.</a:t>
+                  <a:srgbClr val="C00000"/>
+                </a:solidFill>
+                <a:latin typeface="Times New Roman" panose="02020603050405020304" pitchFamily="18" charset="0"/>
+                <a:cs typeface="Times New Roman" panose="02020603050405020304" pitchFamily="18" charset="0"/>
+                <a:sym typeface="Wingdings" panose="05000000000000000000" pitchFamily="2" charset="2"/>
+              </a:rPr>
+              <a:t>Rmarkdown</a:t>
+            </a:r>
+            <a:r>
+              <a:rPr lang="en-US" dirty="0">
+                <a:solidFill>
+                  <a:srgbClr val="C00000"/>
+                </a:solidFill>
+                <a:latin typeface="Times New Roman" panose="02020603050405020304" pitchFamily="18" charset="0"/>
+                <a:cs typeface="Times New Roman" panose="02020603050405020304" pitchFamily="18" charset="0"/>
+                <a:sym typeface="Wingdings" panose="05000000000000000000" pitchFamily="2" charset="2"/>
+              </a:rPr>
+              <a:t>…</a:t>
+            </a:r>
+            <a:br>
+              <a:rPr lang="en-US" dirty="0">
+                <a:solidFill>
+                  <a:srgbClr val="C00000"/>
+                </a:solidFill>
+                <a:latin typeface="Times New Roman" panose="02020603050405020304" pitchFamily="18" charset="0"/>
+                <a:cs typeface="Times New Roman" panose="02020603050405020304" pitchFamily="18" charset="0"/>
+                <a:sym typeface="Wingdings" panose="05000000000000000000" pitchFamily="2" charset="2"/>
+              </a:rPr>
+            </a:br>
+            <a:r>
+              <a:rPr lang="en-US" dirty="0">
+                <a:solidFill>
+                  <a:srgbClr val="C00000"/>
+                </a:solidFill>
+                <a:latin typeface="Times New Roman" panose="02020603050405020304" pitchFamily="18" charset="0"/>
+                <a:cs typeface="Times New Roman" panose="02020603050405020304" pitchFamily="18" charset="0"/>
+                <a:sym typeface="Wingdings" panose="05000000000000000000" pitchFamily="2" charset="2"/>
+              </a:rPr>
+              <a:t>- default options are OK</a:t>
+            </a:r>
+            <a:br>
+              <a:rPr lang="en-US" dirty="0">
+                <a:solidFill>
+                  <a:srgbClr val="C00000"/>
+                </a:solidFill>
+                <a:latin typeface="Times New Roman" panose="02020603050405020304" pitchFamily="18" charset="0"/>
+                <a:cs typeface="Times New Roman" panose="02020603050405020304" pitchFamily="18" charset="0"/>
+                <a:sym typeface="Wingdings" panose="05000000000000000000" pitchFamily="2" charset="2"/>
+              </a:rPr>
+            </a:br>
+            <a:br>
+              <a:rPr lang="en-US" u="sng" dirty="0">
+                <a:solidFill>
+                  <a:srgbClr val="FFFF00"/>
+                </a:solidFill>
+                <a:latin typeface="Times New Roman" panose="02020603050405020304" pitchFamily="18" charset="0"/>
+                <a:cs typeface="Times New Roman" panose="02020603050405020304" pitchFamily="18" charset="0"/>
+              </a:rPr>
+            </a:br>
+            <a:r>
+              <a:rPr lang="en-US" dirty="0">
+                <a:solidFill>
+                  <a:srgbClr val="FFFF00"/>
+                </a:solidFill>
+                <a:latin typeface="Times New Roman" panose="02020603050405020304" pitchFamily="18" charset="0"/>
+                <a:cs typeface="Times New Roman" panose="02020603050405020304" pitchFamily="18" charset="0"/>
+              </a:rPr>
+              <a:t>- Lots of “starter” code, you can replace with mine</a:t>
+            </a:r>
+            <a:br>
+              <a:rPr lang="en-US" dirty="0">
+                <a:solidFill>
+                  <a:srgbClr val="FFFF00"/>
+                </a:solidFill>
+                <a:latin typeface="Times New Roman" panose="02020603050405020304" pitchFamily="18" charset="0"/>
+                <a:cs typeface="Times New Roman" panose="02020603050405020304" pitchFamily="18" charset="0"/>
+              </a:rPr>
+            </a:br>
+            <a:r>
+              <a:rPr lang="en-US" dirty="0">
+                <a:solidFill>
+                  <a:srgbClr val="FFFF00"/>
+                </a:solidFill>
+                <a:latin typeface="Times New Roman" panose="02020603050405020304" pitchFamily="18" charset="0"/>
+                <a:cs typeface="Times New Roman" panose="02020603050405020304" pitchFamily="18" charset="0"/>
+              </a:rPr>
+              <a:t>- </a:t>
+            </a:r>
+            <a:r>
+              <a:rPr lang="en-US" dirty="0">
+                <a:solidFill>
+                  <a:srgbClr val="C00000"/>
+                </a:solidFill>
+                <a:latin typeface="Times New Roman" panose="02020603050405020304" pitchFamily="18" charset="0"/>
+                <a:cs typeface="Times New Roman" panose="02020603050405020304" pitchFamily="18" charset="0"/>
+              </a:rPr>
+              <a:t>Knit</a:t>
+            </a:r>
+            <a:r>
+              <a:rPr lang="en-US" dirty="0">
+                <a:solidFill>
+                  <a:srgbClr val="FFFF00"/>
+                </a:solidFill>
+                <a:latin typeface="Times New Roman" panose="02020603050405020304" pitchFamily="18" charset="0"/>
+                <a:cs typeface="Times New Roman" panose="02020603050405020304" pitchFamily="18" charset="0"/>
+              </a:rPr>
+              <a:t> to execute the code </a:t>
+            </a:r>
+            <a:br>
+              <a:rPr lang="en-US" dirty="0">
+                <a:solidFill>
+                  <a:srgbClr val="FFFF00"/>
+                </a:solidFill>
+                <a:latin typeface="Times New Roman" panose="02020603050405020304" pitchFamily="18" charset="0"/>
+                <a:cs typeface="Times New Roman" panose="02020603050405020304" pitchFamily="18" charset="0"/>
+              </a:rPr>
+            </a:br>
+            <a:r>
+              <a:rPr lang="en-US" dirty="0">
+                <a:solidFill>
+                  <a:srgbClr val="FFFF00"/>
+                </a:solidFill>
+                <a:latin typeface="Times New Roman" panose="02020603050405020304" pitchFamily="18" charset="0"/>
+                <a:cs typeface="Times New Roman" panose="02020603050405020304" pitchFamily="18" charset="0"/>
+              </a:rPr>
+              <a:t>- Installs a lot of packages the first time you </a:t>
+            </a:r>
+            <a:r>
+              <a:rPr lang="en-US" dirty="0">
+                <a:solidFill>
+                  <a:srgbClr val="C00000"/>
+                </a:solidFill>
+                <a:latin typeface="Times New Roman" panose="02020603050405020304" pitchFamily="18" charset="0"/>
+                <a:cs typeface="Times New Roman" panose="02020603050405020304" pitchFamily="18" charset="0"/>
+              </a:rPr>
+              <a:t>Knit</a:t>
+            </a:r>
+            <a:br>
+              <a:rPr lang="en-US" dirty="0">
+                <a:solidFill>
+                  <a:srgbClr val="FFFF00"/>
+                </a:solidFill>
+                <a:latin typeface="Times New Roman" panose="02020603050405020304" pitchFamily="18" charset="0"/>
+                <a:cs typeface="Times New Roman" panose="02020603050405020304" pitchFamily="18" charset="0"/>
+              </a:rPr>
+            </a:br>
+            <a:r>
+              <a:rPr lang="en-US" dirty="0">
+                <a:solidFill>
+                  <a:srgbClr val="FFFF00"/>
+                </a:solidFill>
+                <a:latin typeface="Times New Roman" panose="02020603050405020304" pitchFamily="18" charset="0"/>
+                <a:cs typeface="Times New Roman" panose="02020603050405020304" pitchFamily="18" charset="0"/>
+              </a:rPr>
+              <a:t>- Needs </a:t>
+            </a:r>
+            <a:r>
+              <a:rPr lang="en-US" dirty="0" err="1">
+                <a:solidFill>
+                  <a:srgbClr val="FFFF00"/>
+                </a:solidFill>
+                <a:latin typeface="Times New Roman" panose="02020603050405020304" pitchFamily="18" charset="0"/>
+                <a:cs typeface="Times New Roman" panose="02020603050405020304" pitchFamily="18" charset="0"/>
+              </a:rPr>
+              <a:t>MikTex</a:t>
+            </a:r>
+            <a:r>
+              <a:rPr lang="en-US" dirty="0">
+                <a:solidFill>
+                  <a:srgbClr val="FFFF00"/>
+                </a:solidFill>
+                <a:latin typeface="Times New Roman" panose="02020603050405020304" pitchFamily="18" charset="0"/>
+                <a:cs typeface="Times New Roman" panose="02020603050405020304" pitchFamily="18" charset="0"/>
+              </a:rPr>
+              <a:t>/</a:t>
+            </a:r>
+            <a:r>
+              <a:rPr lang="en-US" dirty="0" err="1">
+                <a:solidFill>
+                  <a:srgbClr val="FFFF00"/>
+                </a:solidFill>
+                <a:latin typeface="Times New Roman" panose="02020603050405020304" pitchFamily="18" charset="0"/>
+                <a:cs typeface="Times New Roman" panose="02020603050405020304" pitchFamily="18" charset="0"/>
+              </a:rPr>
+              <a:t>MacTex</a:t>
+            </a:r>
+            <a:r>
+              <a:rPr lang="en-US" dirty="0">
+                <a:solidFill>
+                  <a:srgbClr val="FFFF00"/>
+                </a:solidFill>
+                <a:latin typeface="Times New Roman" panose="02020603050405020304" pitchFamily="18" charset="0"/>
+                <a:cs typeface="Times New Roman" panose="02020603050405020304" pitchFamily="18" charset="0"/>
+              </a:rPr>
+              <a:t> to create PDFs</a:t>
+            </a:r>
+            <a:br>
+              <a:rPr lang="en-US" dirty="0">
+                <a:solidFill>
+                  <a:srgbClr val="FFFF00"/>
+                </a:solidFill>
+                <a:latin typeface="Times New Roman" panose="02020603050405020304" pitchFamily="18" charset="0"/>
+                <a:cs typeface="Times New Roman" panose="02020603050405020304" pitchFamily="18" charset="0"/>
+              </a:rPr>
+            </a:br>
+            <a:r>
+              <a:rPr lang="en-US" dirty="0">
+                <a:solidFill>
+                  <a:srgbClr val="FFFF00"/>
+                </a:solidFill>
+                <a:latin typeface="Times New Roman" panose="02020603050405020304" pitchFamily="18" charset="0"/>
+                <a:cs typeface="Times New Roman" panose="02020603050405020304" pitchFamily="18" charset="0"/>
+              </a:rPr>
+              <a:t>- Will be very slow creating the first PDF because it is downloading a bunch of updates</a:t>
             </a:r>
           </a:p>
         </p:txBody>
@@ -3946,7 +4306,7 @@
     </p:spTree>
     <p:extLst>
       <p:ext uri="{BB962C8B-B14F-4D97-AF65-F5344CB8AC3E}">
-        <p14:creationId xmlns:p14="http://schemas.microsoft.com/office/powerpoint/2010/main" val="591099552"/>
+        <p14:creationId xmlns:p14="http://schemas.microsoft.com/office/powerpoint/2010/main" val="2592903178"/>
       </p:ext>
     </p:extLst>
   </p:cSld>
@@ -3956,7 +4316,7 @@
 </p:sld>
 </file>
 
-<file path=ppt/slides/slide4.xml><?xml version="1.0" encoding="utf-8"?>
+<file path=ppt/slides/slide12.xml><?xml version="1.0" encoding="utf-8"?>
 <p:sld xmlns:a="http://schemas.openxmlformats.org/drawingml/2006/main" xmlns:r="http://schemas.openxmlformats.org/officeDocument/2006/relationships" xmlns:p="http://schemas.openxmlformats.org/presentationml/2006/main">
   <p:cSld>
     <p:spTree>
@@ -4010,7 +4370,7 @@
                 <a:latin typeface="Times New Roman" panose="02020603050405020304" pitchFamily="18" charset="0"/>
                 <a:cs typeface="Times New Roman" panose="02020603050405020304" pitchFamily="18" charset="0"/>
               </a:rPr>
-              <a:t>Working Directories: The rest of the world</a:t>
+              <a:t>Group 2:</a:t>
             </a:r>
             <a:br>
               <a:rPr lang="en-US" u="sng" dirty="0">
@@ -4029,43 +4389,250 @@
                 <a:latin typeface="Times New Roman" panose="02020603050405020304" pitchFamily="18" charset="0"/>
                 <a:cs typeface="Times New Roman" panose="02020603050405020304" pitchFamily="18" charset="0"/>
               </a:rPr>
-              <a:t>There is no Working Directory.</a:t>
-            </a:r>
-            <a:br>
-              <a:rPr lang="en-US" dirty="0">
-                <a:solidFill>
-                  <a:srgbClr val="FFFF00"/>
-                </a:solidFill>
-                <a:latin typeface="Times New Roman" panose="02020603050405020304" pitchFamily="18" charset="0"/>
-                <a:cs typeface="Times New Roman" panose="02020603050405020304" pitchFamily="18" charset="0"/>
-              </a:rPr>
-            </a:br>
-            <a:br>
-              <a:rPr lang="en-US" dirty="0">
-                <a:solidFill>
-                  <a:srgbClr val="FFFF00"/>
-                </a:solidFill>
-                <a:latin typeface="Times New Roman" panose="02020603050405020304" pitchFamily="18" charset="0"/>
-                <a:cs typeface="Times New Roman" panose="02020603050405020304" pitchFamily="18" charset="0"/>
-              </a:rPr>
-            </a:br>
-            <a:r>
-              <a:rPr lang="en-US" dirty="0">
-                <a:solidFill>
-                  <a:srgbClr val="FFFF00"/>
-                </a:solidFill>
-                <a:latin typeface="Times New Roman" panose="02020603050405020304" pitchFamily="18" charset="0"/>
-                <a:cs typeface="Times New Roman" panose="02020603050405020304" pitchFamily="18" charset="0"/>
-              </a:rPr>
-              <a:t>More to the point, the Working Directory is file specific.  The folder a file is in is the file’s Working Directory </a:t>
-            </a:r>
+              <a:t>1) </a:t>
+            </a:r>
+            <a:r>
+              <a:rPr lang="en-US" sz="4000" dirty="0">
+                <a:solidFill>
+                  <a:srgbClr val="FFFF00"/>
+                </a:solidFill>
+                <a:latin typeface="Times New Roman" panose="02020603050405020304" pitchFamily="18" charset="0"/>
+                <a:cs typeface="Times New Roman" panose="02020603050405020304" pitchFamily="18" charset="0"/>
+              </a:rPr>
+              <a:t>Create an </a:t>
+            </a:r>
+            <a:r>
+              <a:rPr lang="en-US" sz="4000" dirty="0" err="1">
+                <a:solidFill>
+                  <a:srgbClr val="FFFF00"/>
+                </a:solidFill>
+                <a:latin typeface="Times New Roman" panose="02020603050405020304" pitchFamily="18" charset="0"/>
+                <a:cs typeface="Times New Roman" panose="02020603050405020304" pitchFamily="18" charset="0"/>
+              </a:rPr>
+              <a:t>Rmarkdown</a:t>
+            </a:r>
+            <a:r>
+              <a:rPr lang="en-US" sz="4000" dirty="0">
+                <a:solidFill>
+                  <a:srgbClr val="FFFF00"/>
+                </a:solidFill>
+                <a:latin typeface="Times New Roman" panose="02020603050405020304" pitchFamily="18" charset="0"/>
+                <a:cs typeface="Times New Roman" panose="02020603050405020304" pitchFamily="18" charset="0"/>
+              </a:rPr>
+              <a:t> document in your RStudio Project name </a:t>
+            </a:r>
+            <a:r>
+              <a:rPr lang="en-US" sz="4000" dirty="0">
+                <a:solidFill>
+                  <a:srgbClr val="C00000"/>
+                </a:solidFill>
+                <a:latin typeface="Times New Roman" panose="02020603050405020304" pitchFamily="18" charset="0"/>
+                <a:cs typeface="Times New Roman" panose="02020603050405020304" pitchFamily="18" charset="0"/>
+              </a:rPr>
+              <a:t>class4.rmd</a:t>
+            </a:r>
+            <a:br>
+              <a:rPr lang="en-US" sz="4000" dirty="0">
+                <a:solidFill>
+                  <a:srgbClr val="FFFF00"/>
+                </a:solidFill>
+                <a:latin typeface="Times New Roman" panose="02020603050405020304" pitchFamily="18" charset="0"/>
+                <a:cs typeface="Times New Roman" panose="02020603050405020304" pitchFamily="18" charset="0"/>
+              </a:rPr>
+            </a:br>
+            <a:r>
+              <a:rPr lang="en-US" sz="4000" dirty="0">
+                <a:solidFill>
+                  <a:srgbClr val="FFFF00"/>
+                </a:solidFill>
+                <a:latin typeface="Times New Roman" panose="02020603050405020304" pitchFamily="18" charset="0"/>
+                <a:cs typeface="Times New Roman" panose="02020603050405020304" pitchFamily="18" charset="0"/>
+              </a:rPr>
+              <a:t>2) Include your last homework in the </a:t>
+            </a:r>
+            <a:r>
+              <a:rPr lang="en-US" sz="4000" dirty="0">
+                <a:solidFill>
+                  <a:srgbClr val="C00000"/>
+                </a:solidFill>
+                <a:latin typeface="Times New Roman" panose="02020603050405020304" pitchFamily="18" charset="0"/>
+                <a:cs typeface="Times New Roman" panose="02020603050405020304" pitchFamily="18" charset="0"/>
+              </a:rPr>
+              <a:t>class4.rmd </a:t>
+            </a:r>
+            <a:r>
+              <a:rPr lang="en-US" sz="4000" dirty="0">
+                <a:solidFill>
+                  <a:srgbClr val="FFFF00"/>
+                </a:solidFill>
+                <a:latin typeface="Times New Roman" panose="02020603050405020304" pitchFamily="18" charset="0"/>
+                <a:cs typeface="Times New Roman" panose="02020603050405020304" pitchFamily="18" charset="0"/>
+              </a:rPr>
+              <a:t>document</a:t>
+            </a:r>
+            <a:br>
+              <a:rPr lang="en-US" sz="4000" dirty="0">
+                <a:solidFill>
+                  <a:srgbClr val="FFFF00"/>
+                </a:solidFill>
+                <a:latin typeface="Times New Roman" panose="02020603050405020304" pitchFamily="18" charset="0"/>
+                <a:cs typeface="Times New Roman" panose="02020603050405020304" pitchFamily="18" charset="0"/>
+              </a:rPr>
+            </a:br>
+            <a:r>
+              <a:rPr lang="en-US" sz="4000" dirty="0">
+                <a:solidFill>
+                  <a:srgbClr val="FFFF00"/>
+                </a:solidFill>
+                <a:latin typeface="Times New Roman" panose="02020603050405020304" pitchFamily="18" charset="0"/>
+                <a:cs typeface="Times New Roman" panose="02020603050405020304" pitchFamily="18" charset="0"/>
+              </a:rPr>
+              <a:t>3) Include inline math operations using variables from your homework (i.e., </a:t>
+            </a:r>
+            <a:r>
+              <a:rPr lang="en-US" sz="4000" dirty="0" err="1">
+                <a:solidFill>
+                  <a:srgbClr val="FFFF00"/>
+                </a:solidFill>
+                <a:latin typeface="Times New Roman" panose="02020603050405020304" pitchFamily="18" charset="0"/>
+                <a:cs typeface="Times New Roman" panose="02020603050405020304" pitchFamily="18" charset="0"/>
+              </a:rPr>
+              <a:t>weatherData</a:t>
+            </a:r>
+            <a:r>
+              <a:rPr lang="en-US" sz="4000" dirty="0">
+                <a:solidFill>
+                  <a:srgbClr val="FFFF00"/>
+                </a:solidFill>
+                <a:latin typeface="Times New Roman" panose="02020603050405020304" pitchFamily="18" charset="0"/>
+                <a:cs typeface="Times New Roman" panose="02020603050405020304" pitchFamily="18" charset="0"/>
+              </a:rPr>
+              <a:t>)</a:t>
+            </a:r>
+            <a:br>
+              <a:rPr lang="en-US" sz="4000" dirty="0">
+                <a:solidFill>
+                  <a:srgbClr val="FFFF00"/>
+                </a:solidFill>
+                <a:latin typeface="Times New Roman" panose="02020603050405020304" pitchFamily="18" charset="0"/>
+                <a:cs typeface="Times New Roman" panose="02020603050405020304" pitchFamily="18" charset="0"/>
+              </a:rPr>
+            </a:br>
+            <a:r>
+              <a:rPr lang="en-US" sz="4000" dirty="0">
+                <a:solidFill>
+                  <a:srgbClr val="FFFF00"/>
+                </a:solidFill>
+                <a:latin typeface="Times New Roman" panose="02020603050405020304" pitchFamily="18" charset="0"/>
+                <a:cs typeface="Times New Roman" panose="02020603050405020304" pitchFamily="18" charset="0"/>
+              </a:rPr>
+              <a:t>4) Include plots</a:t>
+            </a:r>
+            <a:br>
+              <a:rPr lang="en-US" sz="4000" dirty="0">
+                <a:solidFill>
+                  <a:srgbClr val="FFFF00"/>
+                </a:solidFill>
+                <a:latin typeface="Times New Roman" panose="02020603050405020304" pitchFamily="18" charset="0"/>
+                <a:cs typeface="Times New Roman" panose="02020603050405020304" pitchFamily="18" charset="0"/>
+              </a:rPr>
+            </a:br>
+            <a:r>
+              <a:rPr lang="en-US" sz="4000" dirty="0">
+                <a:solidFill>
+                  <a:srgbClr val="FFFF00"/>
+                </a:solidFill>
+                <a:latin typeface="Times New Roman" panose="02020603050405020304" pitchFamily="18" charset="0"/>
+                <a:cs typeface="Times New Roman" panose="02020603050405020304" pitchFamily="18" charset="0"/>
+              </a:rPr>
+              <a:t>5) Include headers, bold, a hyperlink</a:t>
+            </a:r>
+            <a:br>
+              <a:rPr lang="en-US" sz="4000" dirty="0">
+                <a:solidFill>
+                  <a:srgbClr val="FFFF00"/>
+                </a:solidFill>
+                <a:latin typeface="Times New Roman" panose="02020603050405020304" pitchFamily="18" charset="0"/>
+                <a:cs typeface="Times New Roman" panose="02020603050405020304" pitchFamily="18" charset="0"/>
+              </a:rPr>
+            </a:br>
+            <a:r>
+              <a:rPr lang="en-US" sz="4000" dirty="0">
+                <a:solidFill>
+                  <a:srgbClr val="FFFF00"/>
+                </a:solidFill>
+                <a:latin typeface="Times New Roman" panose="02020603050405020304" pitchFamily="18" charset="0"/>
+                <a:cs typeface="Times New Roman" panose="02020603050405020304" pitchFamily="18" charset="0"/>
+              </a:rPr>
+              <a:t>6) Include one </a:t>
+            </a:r>
+            <a:r>
+              <a:rPr lang="en-US" sz="4000" b="1" i="1" dirty="0">
+                <a:solidFill>
+                  <a:srgbClr val="FFFF00"/>
+                </a:solidFill>
+                <a:latin typeface="Times New Roman" panose="02020603050405020304" pitchFamily="18" charset="0"/>
+                <a:cs typeface="Times New Roman" panose="02020603050405020304" pitchFamily="18" charset="0"/>
+              </a:rPr>
+              <a:t>new</a:t>
+            </a:r>
+            <a:r>
+              <a:rPr lang="en-US" sz="4000" dirty="0">
+                <a:solidFill>
+                  <a:srgbClr val="FFFF00"/>
+                </a:solidFill>
+                <a:latin typeface="Times New Roman" panose="02020603050405020304" pitchFamily="18" charset="0"/>
+                <a:cs typeface="Times New Roman" panose="02020603050405020304" pitchFamily="18" charset="0"/>
+              </a:rPr>
+              <a:t> formatting technique from section 3 of the </a:t>
+            </a:r>
+            <a:r>
+              <a:rPr lang="en-US" sz="4000" dirty="0" err="1">
+                <a:solidFill>
+                  <a:srgbClr val="FFFF00"/>
+                </a:solidFill>
+                <a:latin typeface="Times New Roman" panose="02020603050405020304" pitchFamily="18" charset="0"/>
+                <a:cs typeface="Times New Roman" panose="02020603050405020304" pitchFamily="18" charset="0"/>
+                <a:hlinkClick r:id="rId2"/>
+              </a:rPr>
+              <a:t>Rmarkdown</a:t>
+            </a:r>
+            <a:r>
+              <a:rPr lang="en-US" sz="4000" dirty="0">
+                <a:solidFill>
+                  <a:srgbClr val="FFFF00"/>
+                </a:solidFill>
+                <a:latin typeface="Times New Roman" panose="02020603050405020304" pitchFamily="18" charset="0"/>
+                <a:cs typeface="Times New Roman" panose="02020603050405020304" pitchFamily="18" charset="0"/>
+                <a:hlinkClick r:id="rId2"/>
+              </a:rPr>
+              <a:t> </a:t>
+            </a:r>
+            <a:r>
+              <a:rPr lang="en-US" sz="4000" dirty="0" err="1">
+                <a:solidFill>
+                  <a:srgbClr val="FFFF00"/>
+                </a:solidFill>
+                <a:latin typeface="Times New Roman" panose="02020603050405020304" pitchFamily="18" charset="0"/>
+                <a:cs typeface="Times New Roman" panose="02020603050405020304" pitchFamily="18" charset="0"/>
+                <a:hlinkClick r:id="rId2"/>
+              </a:rPr>
+              <a:t>cheatsheet</a:t>
+            </a:r>
+            <a:endParaRPr lang="en-US" dirty="0">
+              <a:solidFill>
+                <a:srgbClr val="FFFF00"/>
+              </a:solidFill>
+              <a:latin typeface="Times New Roman" panose="02020603050405020304" pitchFamily="18" charset="0"/>
+              <a:cs typeface="Times New Roman" panose="02020603050405020304" pitchFamily="18" charset="0"/>
+            </a:endParaRPr>
           </a:p>
         </p:txBody>
       </p:sp>
     </p:spTree>
     <p:extLst>
       <p:ext uri="{BB962C8B-B14F-4D97-AF65-F5344CB8AC3E}">
-        <p14:creationId xmlns:p14="http://schemas.microsoft.com/office/powerpoint/2010/main" val="1617168973"/>
+        <p14:creationId xmlns:p14="http://schemas.microsoft.com/office/powerpoint/2010/main" val="3938015582"/>
       </p:ext>
     </p:extLst>
   </p:cSld>
@@ -4075,7 +4642,7 @@
 </p:sld>
 </file>
 
-<file path=ppt/slides/slide5.xml><?xml version="1.0" encoding="utf-8"?>
+<file path=ppt/slides/slide13.xml><?xml version="1.0" encoding="utf-8"?>
 <p:sld xmlns:a="http://schemas.openxmlformats.org/drawingml/2006/main" xmlns:r="http://schemas.openxmlformats.org/officeDocument/2006/relationships" xmlns:p="http://schemas.openxmlformats.org/presentationml/2006/main">
   <p:cSld>
     <p:spTree>
@@ -4122,16 +4689,6 @@
           <a:p>
             <a:pPr algn="ctr"/>
             <a:r>
-              <a:rPr lang="en-US" u="sng" dirty="0" err="1">
-                <a:solidFill>
-                  <a:srgbClr val="FFFF00"/>
-                </a:solidFill>
-                <a:latin typeface="Times New Roman" panose="02020603050405020304" pitchFamily="18" charset="0"/>
-                <a:cs typeface="Times New Roman" panose="02020603050405020304" pitchFamily="18" charset="0"/>
-              </a:rPr>
-              <a:t>KnitR</a:t>
-            </a:r>
-            <a:r>
               <a:rPr lang="en-US" u="sng" dirty="0">
                 <a:solidFill>
                   <a:srgbClr val="FFFF00"/>
@@ -4139,19 +4696,9 @@
                 <a:latin typeface="Times New Roman" panose="02020603050405020304" pitchFamily="18" charset="0"/>
                 <a:cs typeface="Times New Roman" panose="02020603050405020304" pitchFamily="18" charset="0"/>
               </a:rPr>
-              <a:t> &gt; </a:t>
-            </a:r>
-            <a:r>
-              <a:rPr lang="en-US" u="sng" dirty="0" err="1">
-                <a:solidFill>
-                  <a:srgbClr val="FFFF00"/>
-                </a:solidFill>
-                <a:latin typeface="Times New Roman" panose="02020603050405020304" pitchFamily="18" charset="0"/>
-                <a:cs typeface="Times New Roman" panose="02020603050405020304" pitchFamily="18" charset="0"/>
-              </a:rPr>
-              <a:t>RMarkDown</a:t>
-            </a:r>
-            <a:r>
+              <a:t>Downloading a repository:</a:t>
+            </a:r>
+            <a:br>
               <a:rPr lang="en-US" u="sng" dirty="0">
                 <a:solidFill>
                   <a:srgbClr val="FFFF00"/>
@@ -4159,93 +4706,115 @@
                 <a:latin typeface="Times New Roman" panose="02020603050405020304" pitchFamily="18" charset="0"/>
                 <a:cs typeface="Times New Roman" panose="02020603050405020304" pitchFamily="18" charset="0"/>
               </a:rPr>
-              <a:t>:</a:t>
-            </a:r>
-            <a:br>
-              <a:rPr lang="en-US" u="sng" dirty="0">
-                <a:solidFill>
-                  <a:srgbClr val="FFFF00"/>
-                </a:solidFill>
-                <a:latin typeface="Times New Roman" panose="02020603050405020304" pitchFamily="18" charset="0"/>
-                <a:cs typeface="Times New Roman" panose="02020603050405020304" pitchFamily="18" charset="0"/>
-              </a:rPr>
-            </a:br>
-            <a:r>
-              <a:rPr lang="en-US" dirty="0" err="1">
-                <a:solidFill>
-                  <a:srgbClr val="FFFF00"/>
-                </a:solidFill>
-                <a:latin typeface="Times New Roman" panose="02020603050405020304" pitchFamily="18" charset="0"/>
-                <a:cs typeface="Times New Roman" panose="02020603050405020304" pitchFamily="18" charset="0"/>
-              </a:rPr>
-              <a:t>KnitR</a:t>
-            </a:r>
-            <a:r>
-              <a:rPr lang="en-US" dirty="0">
-                <a:solidFill>
-                  <a:srgbClr val="FFFF00"/>
-                </a:solidFill>
-                <a:latin typeface="Times New Roman" panose="02020603050405020304" pitchFamily="18" charset="0"/>
-                <a:cs typeface="Times New Roman" panose="02020603050405020304" pitchFamily="18" charset="0"/>
-              </a:rPr>
-              <a:t> is the technology that “stitches” formatted text with R code and plots.</a:t>
-            </a:r>
-            <a:br>
-              <a:rPr lang="en-US" dirty="0">
-                <a:solidFill>
-                  <a:srgbClr val="FFFF00"/>
-                </a:solidFill>
-                <a:latin typeface="Times New Roman" panose="02020603050405020304" pitchFamily="18" charset="0"/>
-                <a:cs typeface="Times New Roman" panose="02020603050405020304" pitchFamily="18" charset="0"/>
-              </a:rPr>
-            </a:br>
-            <a:br>
-              <a:rPr lang="en-US" dirty="0">
-                <a:solidFill>
-                  <a:srgbClr val="FFFF00"/>
-                </a:solidFill>
-                <a:latin typeface="Times New Roman" panose="02020603050405020304" pitchFamily="18" charset="0"/>
-                <a:cs typeface="Times New Roman" panose="02020603050405020304" pitchFamily="18" charset="0"/>
-              </a:rPr>
-            </a:br>
-            <a:r>
-              <a:rPr lang="en-US" dirty="0" err="1">
-                <a:solidFill>
-                  <a:srgbClr val="FFFF00"/>
-                </a:solidFill>
-                <a:latin typeface="Times New Roman" panose="02020603050405020304" pitchFamily="18" charset="0"/>
-                <a:cs typeface="Times New Roman" panose="02020603050405020304" pitchFamily="18" charset="0"/>
-              </a:rPr>
-              <a:t>RMarkDown</a:t>
-            </a:r>
-            <a:r>
-              <a:rPr lang="en-US" dirty="0">
-                <a:solidFill>
-                  <a:srgbClr val="FFFF00"/>
-                </a:solidFill>
-                <a:latin typeface="Times New Roman" panose="02020603050405020304" pitchFamily="18" charset="0"/>
-                <a:cs typeface="Times New Roman" panose="02020603050405020304" pitchFamily="18" charset="0"/>
-              </a:rPr>
-              <a:t> is a language that formats the text</a:t>
-            </a:r>
-            <a:br>
-              <a:rPr lang="en-US" dirty="0">
-                <a:solidFill>
-                  <a:srgbClr val="FFFF00"/>
-                </a:solidFill>
-                <a:latin typeface="Times New Roman" panose="02020603050405020304" pitchFamily="18" charset="0"/>
-                <a:cs typeface="Times New Roman" panose="02020603050405020304" pitchFamily="18" charset="0"/>
-              </a:rPr>
-            </a:br>
-            <a:r>
-              <a:rPr lang="en-US" dirty="0">
-                <a:solidFill>
-                  <a:srgbClr val="FFFF00"/>
-                </a:solidFill>
-                <a:latin typeface="Times New Roman" panose="02020603050405020304" pitchFamily="18" charset="0"/>
-                <a:cs typeface="Times New Roman" panose="02020603050405020304" pitchFamily="18" charset="0"/>
-              </a:rPr>
-              <a:t> </a:t>
+            </a:br>
+            <a:r>
+              <a:rPr lang="en-US" dirty="0">
+                <a:solidFill>
+                  <a:srgbClr val="FFFF00"/>
+                </a:solidFill>
+                <a:latin typeface="Times New Roman" panose="02020603050405020304" pitchFamily="18" charset="0"/>
+                <a:cs typeface="Times New Roman" panose="02020603050405020304" pitchFamily="18" charset="0"/>
+                <a:hlinkClick r:id="rId2"/>
+              </a:rPr>
+              <a:t>https://github.com/belinskyc/KnitR-RMD</a:t>
+            </a:r>
+            <a:br>
+              <a:rPr lang="en-US" dirty="0">
+                <a:solidFill>
+                  <a:srgbClr val="FFFF00"/>
+                </a:solidFill>
+                <a:latin typeface="Times New Roman" panose="02020603050405020304" pitchFamily="18" charset="0"/>
+                <a:cs typeface="Times New Roman" panose="02020603050405020304" pitchFamily="18" charset="0"/>
+              </a:rPr>
+            </a:br>
+            <a:br>
+              <a:rPr lang="en-US" dirty="0">
+                <a:solidFill>
+                  <a:srgbClr val="FFFF00"/>
+                </a:solidFill>
+                <a:latin typeface="Times New Roman" panose="02020603050405020304" pitchFamily="18" charset="0"/>
+                <a:cs typeface="Times New Roman" panose="02020603050405020304" pitchFamily="18" charset="0"/>
+              </a:rPr>
+            </a:br>
+            <a:r>
+              <a:rPr lang="en-US" dirty="0">
+                <a:solidFill>
+                  <a:srgbClr val="FFFF00"/>
+                </a:solidFill>
+                <a:latin typeface="Times New Roman" panose="02020603050405020304" pitchFamily="18" charset="0"/>
+                <a:cs typeface="Times New Roman" panose="02020603050405020304" pitchFamily="18" charset="0"/>
+              </a:rPr>
+              <a:t>click: </a:t>
+            </a:r>
+            <a:r>
+              <a:rPr lang="en-US" b="1" i="1" dirty="0">
+                <a:solidFill>
+                  <a:srgbClr val="FFFF00"/>
+                </a:solidFill>
+                <a:latin typeface="Times New Roman" panose="02020603050405020304" pitchFamily="18" charset="0"/>
+                <a:cs typeface="Times New Roman" panose="02020603050405020304" pitchFamily="18" charset="0"/>
+              </a:rPr>
+              <a:t>Code</a:t>
+            </a:r>
+            <a:r>
+              <a:rPr lang="en-US" dirty="0">
+                <a:solidFill>
+                  <a:srgbClr val="FFFF00"/>
+                </a:solidFill>
+                <a:latin typeface="Times New Roman" panose="02020603050405020304" pitchFamily="18" charset="0"/>
+                <a:cs typeface="Times New Roman" panose="02020603050405020304" pitchFamily="18" charset="0"/>
+              </a:rPr>
+              <a:t> (green button) </a:t>
+            </a:r>
+            <a:r>
+              <a:rPr lang="en-US" dirty="0">
+                <a:solidFill>
+                  <a:srgbClr val="FFFF00"/>
+                </a:solidFill>
+                <a:latin typeface="Times New Roman" panose="02020603050405020304" pitchFamily="18" charset="0"/>
+                <a:cs typeface="Times New Roman" panose="02020603050405020304" pitchFamily="18" charset="0"/>
+                <a:sym typeface="Wingdings" panose="05000000000000000000" pitchFamily="2" charset="2"/>
+              </a:rPr>
+              <a:t> </a:t>
+            </a:r>
+            <a:r>
+              <a:rPr lang="en-US" b="1" i="1" dirty="0">
+                <a:solidFill>
+                  <a:srgbClr val="FFFF00"/>
+                </a:solidFill>
+                <a:latin typeface="Times New Roman" panose="02020603050405020304" pitchFamily="18" charset="0"/>
+                <a:cs typeface="Times New Roman" panose="02020603050405020304" pitchFamily="18" charset="0"/>
+                <a:sym typeface="Wingdings" panose="05000000000000000000" pitchFamily="2" charset="2"/>
+              </a:rPr>
+              <a:t>Download Zip</a:t>
+            </a:r>
+            <a:br>
+              <a:rPr lang="en-US" dirty="0">
+                <a:solidFill>
+                  <a:srgbClr val="FFFF00"/>
+                </a:solidFill>
+                <a:latin typeface="Times New Roman" panose="02020603050405020304" pitchFamily="18" charset="0"/>
+                <a:cs typeface="Times New Roman" panose="02020603050405020304" pitchFamily="18" charset="0"/>
+              </a:rPr>
+            </a:br>
+            <a:br>
+              <a:rPr lang="en-US" dirty="0">
+                <a:solidFill>
+                  <a:srgbClr val="FFFF00"/>
+                </a:solidFill>
+                <a:latin typeface="Times New Roman" panose="02020603050405020304" pitchFamily="18" charset="0"/>
+                <a:cs typeface="Times New Roman" panose="02020603050405020304" pitchFamily="18" charset="0"/>
+              </a:rPr>
+            </a:br>
+            <a:r>
+              <a:rPr lang="en-US" dirty="0">
+                <a:solidFill>
+                  <a:srgbClr val="FFFF00"/>
+                </a:solidFill>
+                <a:latin typeface="Times New Roman" panose="02020603050405020304" pitchFamily="18" charset="0"/>
+                <a:cs typeface="Times New Roman" panose="02020603050405020304" pitchFamily="18" charset="0"/>
+              </a:rPr>
+              <a:t>You will need to unzip the RStudio Project on your computer</a:t>
             </a:r>
           </a:p>
         </p:txBody>
@@ -4253,7 +4822,7 @@
     </p:spTree>
     <p:extLst>
       <p:ext uri="{BB962C8B-B14F-4D97-AF65-F5344CB8AC3E}">
-        <p14:creationId xmlns:p14="http://schemas.microsoft.com/office/powerpoint/2010/main" val="1432489684"/>
+        <p14:creationId xmlns:p14="http://schemas.microsoft.com/office/powerpoint/2010/main" val="3741122452"/>
       </p:ext>
     </p:extLst>
   </p:cSld>
@@ -4263,7 +4832,7 @@
 </p:sld>
 </file>
 
-<file path=ppt/slides/slide6.xml><?xml version="1.0" encoding="utf-8"?>
+<file path=ppt/slides/slide14.xml><?xml version="1.0" encoding="utf-8"?>
 <p:sld xmlns:a="http://schemas.openxmlformats.org/drawingml/2006/main" xmlns:r="http://schemas.openxmlformats.org/officeDocument/2006/relationships" xmlns:p="http://schemas.openxmlformats.org/presentationml/2006/main">
   <p:cSld>
     <p:spTree>
@@ -4310,16 +4879,6 @@
           <a:p>
             <a:pPr algn="ctr"/>
             <a:r>
-              <a:rPr lang="en-US" u="sng" dirty="0" err="1">
-                <a:solidFill>
-                  <a:srgbClr val="FFFF00"/>
-                </a:solidFill>
-                <a:latin typeface="Times New Roman" panose="02020603050405020304" pitchFamily="18" charset="0"/>
-                <a:cs typeface="Times New Roman" panose="02020603050405020304" pitchFamily="18" charset="0"/>
-              </a:rPr>
-              <a:t>RMarkDown</a:t>
-            </a:r>
-            <a:r>
               <a:rPr lang="en-US" u="sng" dirty="0">
                 <a:solidFill>
                   <a:srgbClr val="FFFF00"/>
@@ -4327,7 +4886,7 @@
                 <a:latin typeface="Times New Roman" panose="02020603050405020304" pitchFamily="18" charset="0"/>
                 <a:cs typeface="Times New Roman" panose="02020603050405020304" pitchFamily="18" charset="0"/>
               </a:rPr>
-              <a:t>:</a:t>
+              <a:t>Git/GitHub:</a:t>
             </a:r>
             <a:br>
               <a:rPr lang="en-US" u="sng" dirty="0">
@@ -4346,137 +4905,121 @@
                 <a:latin typeface="Times New Roman" panose="02020603050405020304" pitchFamily="18" charset="0"/>
                 <a:cs typeface="Times New Roman" panose="02020603050405020304" pitchFamily="18" charset="0"/>
               </a:rPr>
-              <a:t>RMD produces HTML (web pages), LaTeX (PDF), and OOXML (DOCX).</a:t>
-            </a:r>
-            <a:br>
-              <a:rPr lang="en-US" dirty="0">
-                <a:solidFill>
-                  <a:srgbClr val="FFFF00"/>
-                </a:solidFill>
-                <a:latin typeface="Times New Roman" panose="02020603050405020304" pitchFamily="18" charset="0"/>
-                <a:cs typeface="Times New Roman" panose="02020603050405020304" pitchFamily="18" charset="0"/>
-              </a:rPr>
-            </a:br>
-            <a:br>
-              <a:rPr lang="en-US" dirty="0">
-                <a:solidFill>
-                  <a:srgbClr val="FFFF00"/>
-                </a:solidFill>
-                <a:latin typeface="Times New Roman" panose="02020603050405020304" pitchFamily="18" charset="0"/>
-                <a:cs typeface="Times New Roman" panose="02020603050405020304" pitchFamily="18" charset="0"/>
-              </a:rPr>
-            </a:br>
-            <a:r>
-              <a:rPr lang="en-US" dirty="0">
-                <a:solidFill>
-                  <a:srgbClr val="FFFF00"/>
-                </a:solidFill>
-                <a:latin typeface="Times New Roman" panose="02020603050405020304" pitchFamily="18" charset="0"/>
-                <a:cs typeface="Times New Roman" panose="02020603050405020304" pitchFamily="18" charset="0"/>
-              </a:rPr>
-              <a:t>It does none of them well!  Hence, you are limited to very basic formatting</a:t>
-            </a:r>
-            <a:br>
-              <a:rPr lang="en-US" dirty="0">
-                <a:solidFill>
-                  <a:srgbClr val="FFFF00"/>
-                </a:solidFill>
-                <a:latin typeface="Times New Roman" panose="02020603050405020304" pitchFamily="18" charset="0"/>
-                <a:cs typeface="Times New Roman" panose="02020603050405020304" pitchFamily="18" charset="0"/>
-              </a:rPr>
-            </a:br>
-            <a:br>
-              <a:rPr lang="en-US" dirty="0">
-                <a:solidFill>
-                  <a:srgbClr val="FFFF00"/>
-                </a:solidFill>
-                <a:latin typeface="Times New Roman" panose="02020603050405020304" pitchFamily="18" charset="0"/>
-                <a:cs typeface="Times New Roman" panose="02020603050405020304" pitchFamily="18" charset="0"/>
-              </a:rPr>
-            </a:br>
-            <a:r>
-              <a:rPr lang="en-US" dirty="0">
-                <a:solidFill>
-                  <a:srgbClr val="FFFF00"/>
-                </a:solidFill>
-                <a:latin typeface="Times New Roman" panose="02020603050405020304" pitchFamily="18" charset="0"/>
-                <a:cs typeface="Times New Roman" panose="02020603050405020304" pitchFamily="18" charset="0"/>
-              </a:rPr>
-              <a:t>You can skip RMD and directly use HTML, LaTeX, or OOXML in </a:t>
-            </a:r>
-            <a:r>
-              <a:rPr lang="en-US" dirty="0" err="1">
-                <a:solidFill>
-                  <a:srgbClr val="FFFF00"/>
-                </a:solidFill>
-                <a:latin typeface="Times New Roman" panose="02020603050405020304" pitchFamily="18" charset="0"/>
-                <a:cs typeface="Times New Roman" panose="02020603050405020304" pitchFamily="18" charset="0"/>
-              </a:rPr>
-              <a:t>KnitR</a:t>
-            </a:r>
-            <a:r>
-              <a:rPr lang="en-US" dirty="0">
-                <a:solidFill>
-                  <a:srgbClr val="FFFF00"/>
-                </a:solidFill>
-                <a:latin typeface="Times New Roman" panose="02020603050405020304" pitchFamily="18" charset="0"/>
-                <a:cs typeface="Times New Roman" panose="02020603050405020304" pitchFamily="18" charset="0"/>
-              </a:rPr>
-              <a:t>.  I’d only recommend HTML.</a:t>
-            </a:r>
-            <a:br>
-              <a:rPr lang="en-US" dirty="0">
-                <a:solidFill>
-                  <a:srgbClr val="FFFF00"/>
-                </a:solidFill>
-                <a:latin typeface="Times New Roman" panose="02020603050405020304" pitchFamily="18" charset="0"/>
-                <a:cs typeface="Times New Roman" panose="02020603050405020304" pitchFamily="18" charset="0"/>
-              </a:rPr>
-            </a:br>
-            <a:r>
-              <a:rPr lang="en-US" dirty="0">
-                <a:solidFill>
-                  <a:srgbClr val="FFFF00"/>
-                </a:solidFill>
-                <a:latin typeface="Times New Roman" panose="02020603050405020304" pitchFamily="18" charset="0"/>
-                <a:cs typeface="Times New Roman" panose="02020603050405020304" pitchFamily="18" charset="0"/>
-              </a:rPr>
-              <a:t> </a:t>
-            </a:r>
-          </a:p>
-        </p:txBody>
-      </p:sp>
-      <p:sp>
-        <p:nvSpPr>
-          <p:cNvPr id="4" name="TextBox 3">
-            <a:extLst>
-              <a:ext uri="{FF2B5EF4-FFF2-40B4-BE49-F238E27FC236}">
-                <a16:creationId xmlns:a16="http://schemas.microsoft.com/office/drawing/2014/main" id="{7173CBCA-9686-4C7B-B844-16CD478CA249}"/>
-              </a:ext>
-            </a:extLst>
-          </p:cNvPr>
-          <p:cNvSpPr txBox="1"/>
-          <p:nvPr/>
-        </p:nvSpPr>
-        <p:spPr>
-          <a:xfrm>
-            <a:off x="3020786" y="3244334"/>
-            <a:ext cx="6198324" cy="369332"/>
-          </a:xfrm>
-          <a:prstGeom prst="rect">
-            <a:avLst/>
-          </a:prstGeom>
-          <a:noFill/>
-        </p:spPr>
-        <p:txBody>
-          <a:bodyPr wrap="square">
-            <a:spAutoFit/>
-          </a:bodyPr>
-          <a:lstStyle/>
-          <a:p>
-            <a:r>
-              <a:rPr lang="vi-VN" dirty="0"/>
-              <a:t>lesson05-ModifyMappedElements-new.R</a:t>
+              <a:t>Git: can work without GitHub</a:t>
+            </a:r>
+            <a:br>
+              <a:rPr lang="en-US" dirty="0">
+                <a:solidFill>
+                  <a:srgbClr val="FFFF00"/>
+                </a:solidFill>
+                <a:latin typeface="Times New Roman" panose="02020603050405020304" pitchFamily="18" charset="0"/>
+                <a:cs typeface="Times New Roman" panose="02020603050405020304" pitchFamily="18" charset="0"/>
+              </a:rPr>
+            </a:br>
+            <a:br>
+              <a:rPr lang="en-US" dirty="0">
+                <a:solidFill>
+                  <a:srgbClr val="FFFF00"/>
+                </a:solidFill>
+                <a:latin typeface="Times New Roman" panose="02020603050405020304" pitchFamily="18" charset="0"/>
+                <a:cs typeface="Times New Roman" panose="02020603050405020304" pitchFamily="18" charset="0"/>
+              </a:rPr>
+            </a:br>
+            <a:r>
+              <a:rPr lang="en-US" dirty="0">
+                <a:solidFill>
+                  <a:srgbClr val="C00000"/>
+                </a:solidFill>
+                <a:latin typeface="Times New Roman" panose="02020603050405020304" pitchFamily="18" charset="0"/>
+                <a:cs typeface="Times New Roman" panose="02020603050405020304" pitchFamily="18" charset="0"/>
+              </a:rPr>
+              <a:t>Commit</a:t>
+            </a:r>
+            <a:r>
+              <a:rPr lang="en-US" dirty="0">
+                <a:solidFill>
+                  <a:srgbClr val="FFFF00"/>
+                </a:solidFill>
+                <a:latin typeface="Times New Roman" panose="02020603050405020304" pitchFamily="18" charset="0"/>
+                <a:cs typeface="Times New Roman" panose="02020603050405020304" pitchFamily="18" charset="0"/>
+              </a:rPr>
+              <a:t>: Git-only, creates new version of your project on your computer</a:t>
+            </a:r>
+            <a:br>
+              <a:rPr lang="en-US" dirty="0">
+                <a:solidFill>
+                  <a:srgbClr val="FFFF00"/>
+                </a:solidFill>
+                <a:latin typeface="Times New Roman" panose="02020603050405020304" pitchFamily="18" charset="0"/>
+                <a:cs typeface="Times New Roman" panose="02020603050405020304" pitchFamily="18" charset="0"/>
+              </a:rPr>
+            </a:br>
+            <a:br>
+              <a:rPr lang="en-US" dirty="0">
+                <a:solidFill>
+                  <a:srgbClr val="FFFF00"/>
+                </a:solidFill>
+                <a:latin typeface="Times New Roman" panose="02020603050405020304" pitchFamily="18" charset="0"/>
+                <a:cs typeface="Times New Roman" panose="02020603050405020304" pitchFamily="18" charset="0"/>
+              </a:rPr>
+            </a:br>
+            <a:r>
+              <a:rPr lang="en-US" dirty="0">
+                <a:solidFill>
+                  <a:srgbClr val="C00000"/>
+                </a:solidFill>
+                <a:latin typeface="Times New Roman" panose="02020603050405020304" pitchFamily="18" charset="0"/>
+                <a:cs typeface="Times New Roman" panose="02020603050405020304" pitchFamily="18" charset="0"/>
+              </a:rPr>
+              <a:t>Push</a:t>
+            </a:r>
+            <a:r>
+              <a:rPr lang="en-US" dirty="0">
+                <a:solidFill>
+                  <a:srgbClr val="FFFF00"/>
+                </a:solidFill>
+                <a:latin typeface="Times New Roman" panose="02020603050405020304" pitchFamily="18" charset="0"/>
+                <a:cs typeface="Times New Roman" panose="02020603050405020304" pitchFamily="18" charset="0"/>
+              </a:rPr>
+              <a:t>: Git/GitHub, sends new versions to GitHub</a:t>
+            </a:r>
+            <a:br>
+              <a:rPr lang="en-US" dirty="0">
+                <a:solidFill>
+                  <a:srgbClr val="FFFF00"/>
+                </a:solidFill>
+                <a:latin typeface="Times New Roman" panose="02020603050405020304" pitchFamily="18" charset="0"/>
+                <a:cs typeface="Times New Roman" panose="02020603050405020304" pitchFamily="18" charset="0"/>
+              </a:rPr>
+            </a:br>
+            <a:br>
+              <a:rPr lang="en-US" dirty="0">
+                <a:solidFill>
+                  <a:srgbClr val="FFFF00"/>
+                </a:solidFill>
+                <a:latin typeface="Times New Roman" panose="02020603050405020304" pitchFamily="18" charset="0"/>
+                <a:cs typeface="Times New Roman" panose="02020603050405020304" pitchFamily="18" charset="0"/>
+              </a:rPr>
+            </a:br>
+            <a:r>
+              <a:rPr lang="en-US" dirty="0">
+                <a:solidFill>
+                  <a:srgbClr val="C00000"/>
+                </a:solidFill>
+                <a:latin typeface="Times New Roman" panose="02020603050405020304" pitchFamily="18" charset="0"/>
+                <a:cs typeface="Times New Roman" panose="02020603050405020304" pitchFamily="18" charset="0"/>
+              </a:rPr>
+              <a:t>Pull</a:t>
+            </a:r>
+            <a:r>
+              <a:rPr lang="en-US" dirty="0">
+                <a:solidFill>
+                  <a:srgbClr val="FFFF00"/>
+                </a:solidFill>
+                <a:latin typeface="Times New Roman" panose="02020603050405020304" pitchFamily="18" charset="0"/>
+                <a:cs typeface="Times New Roman" panose="02020603050405020304" pitchFamily="18" charset="0"/>
+              </a:rPr>
+              <a:t>: Git/GitHub, receives new versions from GitHub</a:t>
             </a:r>
           </a:p>
         </p:txBody>
@@ -4484,7 +5027,7 @@
     </p:spTree>
     <p:extLst>
       <p:ext uri="{BB962C8B-B14F-4D97-AF65-F5344CB8AC3E}">
-        <p14:creationId xmlns:p14="http://schemas.microsoft.com/office/powerpoint/2010/main" val="268168094"/>
+        <p14:creationId xmlns:p14="http://schemas.microsoft.com/office/powerpoint/2010/main" val="4284820546"/>
       </p:ext>
     </p:extLst>
   </p:cSld>
@@ -4494,305 +5037,7 @@
 </p:sld>
 </file>
 
-<file path=ppt/slides/slide7.xml><?xml version="1.0" encoding="utf-8"?>
-<p:sld xmlns:a="http://schemas.openxmlformats.org/drawingml/2006/main" xmlns:r="http://schemas.openxmlformats.org/officeDocument/2006/relationships" xmlns:p="http://schemas.openxmlformats.org/presentationml/2006/main">
-  <p:cSld>
-    <p:spTree>
-      <p:nvGrpSpPr>
-        <p:cNvPr id="1" name=""/>
-        <p:cNvGrpSpPr/>
-        <p:nvPr/>
-      </p:nvGrpSpPr>
-      <p:grpSpPr>
-        <a:xfrm>
-          <a:off x="0" y="0"/>
-          <a:ext cx="0" cy="0"/>
-          <a:chOff x="0" y="0"/>
-          <a:chExt cx="0" cy="0"/>
-        </a:xfrm>
-      </p:grpSpPr>
-      <p:sp>
-        <p:nvSpPr>
-          <p:cNvPr id="2" name="Title 1">
-            <a:extLst>
-              <a:ext uri="{FF2B5EF4-FFF2-40B4-BE49-F238E27FC236}">
-                <a16:creationId xmlns:a16="http://schemas.microsoft.com/office/drawing/2014/main" id="{BA1E47E7-0486-4E1C-929A-58A083BDF5ED}"/>
-              </a:ext>
-            </a:extLst>
-          </p:cNvPr>
-          <p:cNvSpPr>
-            <a:spLocks noGrp="1"/>
-          </p:cNvSpPr>
-          <p:nvPr>
-            <p:ph type="title"/>
-          </p:nvPr>
-        </p:nvSpPr>
-        <p:spPr>
-          <a:xfrm>
-            <a:off x="0" y="0"/>
-            <a:ext cx="12191999" cy="6858000"/>
-          </a:xfrm>
-        </p:spPr>
-        <p:txBody>
-          <a:bodyPr>
-            <a:normAutofit/>
-          </a:bodyPr>
-          <a:lstStyle/>
-          <a:p>
-            <a:pPr algn="ctr"/>
-            <a:r>
-              <a:rPr lang="en-US" u="sng" dirty="0" err="1">
-                <a:solidFill>
-                  <a:srgbClr val="FFFF00"/>
-                </a:solidFill>
-                <a:latin typeface="Times New Roman" panose="02020603050405020304" pitchFamily="18" charset="0"/>
-                <a:cs typeface="Times New Roman" panose="02020603050405020304" pitchFamily="18" charset="0"/>
-              </a:rPr>
-              <a:t>KnitR</a:t>
-            </a:r>
-            <a:r>
-              <a:rPr lang="en-US" u="sng" dirty="0">
-                <a:solidFill>
-                  <a:srgbClr val="FFFF00"/>
-                </a:solidFill>
-                <a:latin typeface="Times New Roman" panose="02020603050405020304" pitchFamily="18" charset="0"/>
-                <a:cs typeface="Times New Roman" panose="02020603050405020304" pitchFamily="18" charset="0"/>
-              </a:rPr>
-              <a:t> first time:</a:t>
-            </a:r>
-            <a:br>
-              <a:rPr lang="en-US" u="sng" dirty="0">
-                <a:solidFill>
-                  <a:srgbClr val="FFFF00"/>
-                </a:solidFill>
-                <a:latin typeface="Times New Roman" panose="02020603050405020304" pitchFamily="18" charset="0"/>
-                <a:cs typeface="Times New Roman" panose="02020603050405020304" pitchFamily="18" charset="0"/>
-              </a:rPr>
-            </a:br>
-            <a:r>
-              <a:rPr lang="en-US" dirty="0">
-                <a:solidFill>
-                  <a:srgbClr val="FFFF00"/>
-                </a:solidFill>
-                <a:latin typeface="Times New Roman" panose="02020603050405020304" pitchFamily="18" charset="0"/>
-                <a:cs typeface="Times New Roman" panose="02020603050405020304" pitchFamily="18" charset="0"/>
-              </a:rPr>
-              <a:t>- Installs a lot of package</a:t>
-            </a:r>
-            <a:br>
-              <a:rPr lang="en-US" dirty="0">
-                <a:solidFill>
-                  <a:srgbClr val="FFFF00"/>
-                </a:solidFill>
-                <a:latin typeface="Times New Roman" panose="02020603050405020304" pitchFamily="18" charset="0"/>
-                <a:cs typeface="Times New Roman" panose="02020603050405020304" pitchFamily="18" charset="0"/>
-              </a:rPr>
-            </a:br>
-            <a:r>
-              <a:rPr lang="en-US" dirty="0">
-                <a:solidFill>
-                  <a:srgbClr val="FFFF00"/>
-                </a:solidFill>
-                <a:latin typeface="Times New Roman" panose="02020603050405020304" pitchFamily="18" charset="0"/>
-                <a:cs typeface="Times New Roman" panose="02020603050405020304" pitchFamily="18" charset="0"/>
-              </a:rPr>
-              <a:t>- Needs </a:t>
-            </a:r>
-            <a:r>
-              <a:rPr lang="en-US" dirty="0" err="1">
-                <a:solidFill>
-                  <a:srgbClr val="FFFF00"/>
-                </a:solidFill>
-                <a:latin typeface="Times New Roman" panose="02020603050405020304" pitchFamily="18" charset="0"/>
-                <a:cs typeface="Times New Roman" panose="02020603050405020304" pitchFamily="18" charset="0"/>
-              </a:rPr>
-              <a:t>MikTex</a:t>
-            </a:r>
-            <a:r>
-              <a:rPr lang="en-US" dirty="0">
-                <a:solidFill>
-                  <a:srgbClr val="FFFF00"/>
-                </a:solidFill>
-                <a:latin typeface="Times New Roman" panose="02020603050405020304" pitchFamily="18" charset="0"/>
-                <a:cs typeface="Times New Roman" panose="02020603050405020304" pitchFamily="18" charset="0"/>
-              </a:rPr>
-              <a:t>/</a:t>
-            </a:r>
-            <a:r>
-              <a:rPr lang="en-US" dirty="0" err="1">
-                <a:solidFill>
-                  <a:srgbClr val="FFFF00"/>
-                </a:solidFill>
-                <a:latin typeface="Times New Roman" panose="02020603050405020304" pitchFamily="18" charset="0"/>
-                <a:cs typeface="Times New Roman" panose="02020603050405020304" pitchFamily="18" charset="0"/>
-              </a:rPr>
-              <a:t>MacTex</a:t>
-            </a:r>
-            <a:r>
-              <a:rPr lang="en-US" dirty="0">
-                <a:solidFill>
-                  <a:srgbClr val="FFFF00"/>
-                </a:solidFill>
-                <a:latin typeface="Times New Roman" panose="02020603050405020304" pitchFamily="18" charset="0"/>
-                <a:cs typeface="Times New Roman" panose="02020603050405020304" pitchFamily="18" charset="0"/>
-              </a:rPr>
-              <a:t> to create PDFs</a:t>
-            </a:r>
-            <a:br>
-              <a:rPr lang="en-US" dirty="0">
-                <a:solidFill>
-                  <a:srgbClr val="FFFF00"/>
-                </a:solidFill>
-                <a:latin typeface="Times New Roman" panose="02020603050405020304" pitchFamily="18" charset="0"/>
-                <a:cs typeface="Times New Roman" panose="02020603050405020304" pitchFamily="18" charset="0"/>
-              </a:rPr>
-            </a:br>
-            <a:r>
-              <a:rPr lang="en-US" dirty="0">
-                <a:solidFill>
-                  <a:srgbClr val="FFFF00"/>
-                </a:solidFill>
-                <a:latin typeface="Times New Roman" panose="02020603050405020304" pitchFamily="18" charset="0"/>
-                <a:cs typeface="Times New Roman" panose="02020603050405020304" pitchFamily="18" charset="0"/>
-              </a:rPr>
-              <a:t>- Will be very slow creating the first PDF because it is downloading a bunch of updates</a:t>
-            </a:r>
-          </a:p>
-        </p:txBody>
-      </p:sp>
-    </p:spTree>
-    <p:extLst>
-      <p:ext uri="{BB962C8B-B14F-4D97-AF65-F5344CB8AC3E}">
-        <p14:creationId xmlns:p14="http://schemas.microsoft.com/office/powerpoint/2010/main" val="2592903178"/>
-      </p:ext>
-    </p:extLst>
-  </p:cSld>
-  <p:clrMapOvr>
-    <a:masterClrMapping/>
-  </p:clrMapOvr>
-</p:sld>
-</file>
-
-<file path=ppt/slides/slide8.xml><?xml version="1.0" encoding="utf-8"?>
-<p:sld xmlns:a="http://schemas.openxmlformats.org/drawingml/2006/main" xmlns:r="http://schemas.openxmlformats.org/officeDocument/2006/relationships" xmlns:p="http://schemas.openxmlformats.org/presentationml/2006/main">
-  <p:cSld>
-    <p:spTree>
-      <p:nvGrpSpPr>
-        <p:cNvPr id="1" name=""/>
-        <p:cNvGrpSpPr/>
-        <p:nvPr/>
-      </p:nvGrpSpPr>
-      <p:grpSpPr>
-        <a:xfrm>
-          <a:off x="0" y="0"/>
-          <a:ext cx="0" cy="0"/>
-          <a:chOff x="0" y="0"/>
-          <a:chExt cx="0" cy="0"/>
-        </a:xfrm>
-      </p:grpSpPr>
-      <p:sp>
-        <p:nvSpPr>
-          <p:cNvPr id="2" name="Title 1">
-            <a:extLst>
-              <a:ext uri="{FF2B5EF4-FFF2-40B4-BE49-F238E27FC236}">
-                <a16:creationId xmlns:a16="http://schemas.microsoft.com/office/drawing/2014/main" id="{BA1E47E7-0486-4E1C-929A-58A083BDF5ED}"/>
-              </a:ext>
-            </a:extLst>
-          </p:cNvPr>
-          <p:cNvSpPr>
-            <a:spLocks noGrp="1"/>
-          </p:cNvSpPr>
-          <p:nvPr>
-            <p:ph type="title"/>
-          </p:nvPr>
-        </p:nvSpPr>
-        <p:spPr>
-          <a:xfrm>
-            <a:off x="0" y="0"/>
-            <a:ext cx="12191999" cy="6858000"/>
-          </a:xfrm>
-        </p:spPr>
-        <p:txBody>
-          <a:bodyPr>
-            <a:normAutofit/>
-          </a:bodyPr>
-          <a:lstStyle/>
-          <a:p>
-            <a:pPr algn="ctr"/>
-            <a:r>
-              <a:rPr lang="en-US" u="sng" dirty="0">
-                <a:solidFill>
-                  <a:srgbClr val="FFFF00"/>
-                </a:solidFill>
-                <a:latin typeface="Times New Roman" panose="02020603050405020304" pitchFamily="18" charset="0"/>
-                <a:cs typeface="Times New Roman" panose="02020603050405020304" pitchFamily="18" charset="0"/>
-              </a:rPr>
-              <a:t>Git/GitHub:</a:t>
-            </a:r>
-            <a:br>
-              <a:rPr lang="en-US" u="sng" dirty="0">
-                <a:solidFill>
-                  <a:srgbClr val="FFFF00"/>
-                </a:solidFill>
-                <a:latin typeface="Times New Roman" panose="02020603050405020304" pitchFamily="18" charset="0"/>
-                <a:cs typeface="Times New Roman" panose="02020603050405020304" pitchFamily="18" charset="0"/>
-              </a:rPr>
-            </a:br>
-            <a:r>
-              <a:rPr lang="en-US" dirty="0">
-                <a:solidFill>
-                  <a:srgbClr val="FFFF00"/>
-                </a:solidFill>
-                <a:latin typeface="Times New Roman" panose="02020603050405020304" pitchFamily="18" charset="0"/>
-                <a:cs typeface="Times New Roman" panose="02020603050405020304" pitchFamily="18" charset="0"/>
-              </a:rPr>
-              <a:t>Git: very robust versioning software installed on your computer</a:t>
-            </a:r>
-            <a:br>
-              <a:rPr lang="en-US" dirty="0">
-                <a:solidFill>
-                  <a:srgbClr val="FFFF00"/>
-                </a:solidFill>
-                <a:latin typeface="Times New Roman" panose="02020603050405020304" pitchFamily="18" charset="0"/>
-                <a:cs typeface="Times New Roman" panose="02020603050405020304" pitchFamily="18" charset="0"/>
-              </a:rPr>
-            </a:br>
-            <a:br>
-              <a:rPr lang="en-US" dirty="0">
-                <a:solidFill>
-                  <a:srgbClr val="FFFF00"/>
-                </a:solidFill>
-                <a:latin typeface="Times New Roman" panose="02020603050405020304" pitchFamily="18" charset="0"/>
-                <a:cs typeface="Times New Roman" panose="02020603050405020304" pitchFamily="18" charset="0"/>
-              </a:rPr>
-            </a:br>
-            <a:r>
-              <a:rPr lang="en-US" dirty="0">
-                <a:solidFill>
-                  <a:srgbClr val="FFFF00"/>
-                </a:solidFill>
-                <a:latin typeface="Times New Roman" panose="02020603050405020304" pitchFamily="18" charset="0"/>
-                <a:cs typeface="Times New Roman" panose="02020603050405020304" pitchFamily="18" charset="0"/>
-              </a:rPr>
-              <a:t>GitHub: Online storage of your Projects that use Git</a:t>
-            </a:r>
-          </a:p>
-        </p:txBody>
-      </p:sp>
-    </p:spTree>
-    <p:extLst>
-      <p:ext uri="{BB962C8B-B14F-4D97-AF65-F5344CB8AC3E}">
-        <p14:creationId xmlns:p14="http://schemas.microsoft.com/office/powerpoint/2010/main" val="3741122452"/>
-      </p:ext>
-    </p:extLst>
-  </p:cSld>
-  <p:clrMapOvr>
-    <a:masterClrMapping/>
-  </p:clrMapOvr>
-</p:sld>
-</file>
-
-<file path=ppt/slides/slide9.xml><?xml version="1.0" encoding="utf-8"?>
+<file path=ppt/slides/slide15.xml><?xml version="1.0" encoding="utf-8"?>
 <p:sld xmlns:a="http://schemas.openxmlformats.org/drawingml/2006/main" xmlns:r="http://schemas.openxmlformats.org/officeDocument/2006/relationships" xmlns:p="http://schemas.openxmlformats.org/presentationml/2006/main">
   <p:cSld>
     <p:bg>
@@ -4857,6 +5102,1348 @@
     <p:extLst>
       <p:ext uri="{BB962C8B-B14F-4D97-AF65-F5344CB8AC3E}">
         <p14:creationId xmlns:p14="http://schemas.microsoft.com/office/powerpoint/2010/main" val="3387797339"/>
+      </p:ext>
+    </p:extLst>
+  </p:cSld>
+  <p:clrMapOvr>
+    <a:masterClrMapping/>
+  </p:clrMapOvr>
+</p:sld>
+</file>
+
+<file path=ppt/slides/slide2.xml><?xml version="1.0" encoding="utf-8"?>
+<p:sld xmlns:a="http://schemas.openxmlformats.org/drawingml/2006/main" xmlns:r="http://schemas.openxmlformats.org/officeDocument/2006/relationships" xmlns:p="http://schemas.openxmlformats.org/presentationml/2006/main">
+  <p:cSld>
+    <p:spTree>
+      <p:nvGrpSpPr>
+        <p:cNvPr id="1" name=""/>
+        <p:cNvGrpSpPr/>
+        <p:nvPr/>
+      </p:nvGrpSpPr>
+      <p:grpSpPr>
+        <a:xfrm>
+          <a:off x="0" y="0"/>
+          <a:ext cx="0" cy="0"/>
+          <a:chOff x="0" y="0"/>
+          <a:chExt cx="0" cy="0"/>
+        </a:xfrm>
+      </p:grpSpPr>
+      <p:sp>
+        <p:nvSpPr>
+          <p:cNvPr id="2" name="Title 1">
+            <a:extLst>
+              <a:ext uri="{FF2B5EF4-FFF2-40B4-BE49-F238E27FC236}">
+                <a16:creationId xmlns:a16="http://schemas.microsoft.com/office/drawing/2014/main" id="{BA1E47E7-0486-4E1C-929A-58A083BDF5ED}"/>
+              </a:ext>
+            </a:extLst>
+          </p:cNvPr>
+          <p:cNvSpPr>
+            <a:spLocks noGrp="1"/>
+          </p:cNvSpPr>
+          <p:nvPr>
+            <p:ph type="title"/>
+          </p:nvPr>
+        </p:nvSpPr>
+        <p:spPr>
+          <a:xfrm>
+            <a:off x="0" y="0"/>
+            <a:ext cx="12191999" cy="6858000"/>
+          </a:xfrm>
+        </p:spPr>
+        <p:txBody>
+          <a:bodyPr>
+            <a:normAutofit/>
+          </a:bodyPr>
+          <a:lstStyle/>
+          <a:p>
+            <a:pPr algn="ctr"/>
+            <a:r>
+              <a:rPr lang="en-US" u="sng" dirty="0">
+                <a:solidFill>
+                  <a:srgbClr val="FFFF00"/>
+                </a:solidFill>
+                <a:latin typeface="Times New Roman" panose="02020603050405020304" pitchFamily="18" charset="0"/>
+                <a:cs typeface="Times New Roman" panose="02020603050405020304" pitchFamily="18" charset="0"/>
+              </a:rPr>
+              <a:t>Lists:</a:t>
+            </a:r>
+            <a:br>
+              <a:rPr lang="en-US" u="sng" dirty="0">
+                <a:solidFill>
+                  <a:srgbClr val="FFFF00"/>
+                </a:solidFill>
+                <a:latin typeface="Times New Roman" panose="02020603050405020304" pitchFamily="18" charset="0"/>
+                <a:cs typeface="Times New Roman" panose="02020603050405020304" pitchFamily="18" charset="0"/>
+              </a:rPr>
+            </a:br>
+            <a:r>
+              <a:rPr lang="en-US" dirty="0">
+                <a:solidFill>
+                  <a:srgbClr val="FFFF00"/>
+                </a:solidFill>
+                <a:latin typeface="Times New Roman" panose="02020603050405020304" pitchFamily="18" charset="0"/>
+                <a:cs typeface="Times New Roman" panose="02020603050405020304" pitchFamily="18" charset="0"/>
+              </a:rPr>
+              <a:t>They are like your junk drawer!</a:t>
+            </a:r>
+            <a:br>
+              <a:rPr lang="en-US" dirty="0">
+                <a:solidFill>
+                  <a:srgbClr val="FFFF00"/>
+                </a:solidFill>
+                <a:latin typeface="Times New Roman" panose="02020603050405020304" pitchFamily="18" charset="0"/>
+                <a:cs typeface="Times New Roman" panose="02020603050405020304" pitchFamily="18" charset="0"/>
+              </a:rPr>
+            </a:br>
+            <a:br>
+              <a:rPr lang="en-US" dirty="0">
+                <a:solidFill>
+                  <a:srgbClr val="FFFF00"/>
+                </a:solidFill>
+                <a:latin typeface="Times New Roman" panose="02020603050405020304" pitchFamily="18" charset="0"/>
+                <a:cs typeface="Times New Roman" panose="02020603050405020304" pitchFamily="18" charset="0"/>
+              </a:rPr>
+            </a:br>
+            <a:r>
+              <a:rPr lang="en-US" u="sng" dirty="0">
+                <a:solidFill>
+                  <a:srgbClr val="FFFF00"/>
+                </a:solidFill>
+                <a:latin typeface="Times New Roman" panose="02020603050405020304" pitchFamily="18" charset="0"/>
+                <a:cs typeface="Times New Roman" panose="02020603050405020304" pitchFamily="18" charset="0"/>
+              </a:rPr>
+              <a:t>Metadata:</a:t>
+            </a:r>
+            <a:br>
+              <a:rPr lang="en-US" dirty="0">
+                <a:solidFill>
+                  <a:srgbClr val="FFFF00"/>
+                </a:solidFill>
+                <a:latin typeface="Times New Roman" panose="02020603050405020304" pitchFamily="18" charset="0"/>
+                <a:cs typeface="Times New Roman" panose="02020603050405020304" pitchFamily="18" charset="0"/>
+              </a:rPr>
+            </a:br>
+            <a:r>
+              <a:rPr lang="en-US" dirty="0">
+                <a:solidFill>
+                  <a:srgbClr val="FFFF00"/>
+                </a:solidFill>
+                <a:latin typeface="Times New Roman" panose="02020603050405020304" pitchFamily="18" charset="0"/>
+                <a:cs typeface="Times New Roman" panose="02020603050405020304" pitchFamily="18" charset="0"/>
+              </a:rPr>
+              <a:t>Information about the values, but not actual values – metadata can be applied to any object or object within an object</a:t>
+            </a:r>
+            <a:br>
+              <a:rPr lang="en-US" dirty="0">
+                <a:solidFill>
+                  <a:srgbClr val="FFFF00"/>
+                </a:solidFill>
+                <a:latin typeface="Times New Roman" panose="02020603050405020304" pitchFamily="18" charset="0"/>
+                <a:cs typeface="Times New Roman" panose="02020603050405020304" pitchFamily="18" charset="0"/>
+              </a:rPr>
+            </a:br>
+            <a:br>
+              <a:rPr lang="en-US" dirty="0">
+                <a:solidFill>
+                  <a:srgbClr val="FFFF00"/>
+                </a:solidFill>
+                <a:latin typeface="Times New Roman" panose="02020603050405020304" pitchFamily="18" charset="0"/>
+                <a:cs typeface="Times New Roman" panose="02020603050405020304" pitchFamily="18" charset="0"/>
+              </a:rPr>
+            </a:br>
+            <a:r>
+              <a:rPr lang="en-US" dirty="0">
+                <a:solidFill>
+                  <a:srgbClr val="FFFF00"/>
+                </a:solidFill>
+                <a:latin typeface="Times New Roman" panose="02020603050405020304" pitchFamily="18" charset="0"/>
+                <a:cs typeface="Times New Roman" panose="02020603050405020304" pitchFamily="18" charset="0"/>
+              </a:rPr>
+              <a:t>Lists, because of their nature, use lots of metadata, which makes it even harder to read them</a:t>
+            </a:r>
+          </a:p>
+        </p:txBody>
+      </p:sp>
+    </p:spTree>
+    <p:extLst>
+      <p:ext uri="{BB962C8B-B14F-4D97-AF65-F5344CB8AC3E}">
+        <p14:creationId xmlns:p14="http://schemas.microsoft.com/office/powerpoint/2010/main" val="2540127365"/>
+      </p:ext>
+    </p:extLst>
+  </p:cSld>
+  <p:clrMapOvr>
+    <a:masterClrMapping/>
+  </p:clrMapOvr>
+</p:sld>
+</file>
+
+<file path=ppt/slides/slide3.xml><?xml version="1.0" encoding="utf-8"?>
+<p:sld xmlns:a="http://schemas.openxmlformats.org/drawingml/2006/main" xmlns:r="http://schemas.openxmlformats.org/officeDocument/2006/relationships" xmlns:p="http://schemas.openxmlformats.org/presentationml/2006/main">
+  <p:cSld>
+    <p:spTree>
+      <p:nvGrpSpPr>
+        <p:cNvPr id="1" name=""/>
+        <p:cNvGrpSpPr/>
+        <p:nvPr/>
+      </p:nvGrpSpPr>
+      <p:grpSpPr>
+        <a:xfrm>
+          <a:off x="0" y="0"/>
+          <a:ext cx="0" cy="0"/>
+          <a:chOff x="0" y="0"/>
+          <a:chExt cx="0" cy="0"/>
+        </a:xfrm>
+      </p:grpSpPr>
+      <p:sp>
+        <p:nvSpPr>
+          <p:cNvPr id="2" name="Title 1">
+            <a:extLst>
+              <a:ext uri="{FF2B5EF4-FFF2-40B4-BE49-F238E27FC236}">
+                <a16:creationId xmlns:a16="http://schemas.microsoft.com/office/drawing/2014/main" id="{BA1E47E7-0486-4E1C-929A-58A083BDF5ED}"/>
+              </a:ext>
+            </a:extLst>
+          </p:cNvPr>
+          <p:cNvSpPr>
+            <a:spLocks noGrp="1"/>
+          </p:cNvSpPr>
+          <p:nvPr>
+            <p:ph type="title"/>
+          </p:nvPr>
+        </p:nvSpPr>
+        <p:spPr>
+          <a:xfrm>
+            <a:off x="0" y="0"/>
+            <a:ext cx="12191999" cy="6858000"/>
+          </a:xfrm>
+        </p:spPr>
+        <p:txBody>
+          <a:bodyPr>
+            <a:normAutofit/>
+          </a:bodyPr>
+          <a:lstStyle/>
+          <a:p>
+            <a:pPr algn="ctr"/>
+            <a:r>
+              <a:rPr lang="en-US" u="sng" dirty="0" err="1">
+                <a:solidFill>
+                  <a:srgbClr val="FFFF00"/>
+                </a:solidFill>
+                <a:latin typeface="Times New Roman" panose="02020603050405020304" pitchFamily="18" charset="0"/>
+                <a:cs typeface="Times New Roman" panose="02020603050405020304" pitchFamily="18" charset="0"/>
+              </a:rPr>
+              <a:t>GGPlot</a:t>
+            </a:r>
+            <a:r>
+              <a:rPr lang="en-US" u="sng" dirty="0">
+                <a:solidFill>
+                  <a:srgbClr val="FFFF00"/>
+                </a:solidFill>
+                <a:latin typeface="Times New Roman" panose="02020603050405020304" pitchFamily="18" charset="0"/>
+                <a:cs typeface="Times New Roman" panose="02020603050405020304" pitchFamily="18" charset="0"/>
+              </a:rPr>
+              <a:t> Components (HW 4)</a:t>
+            </a:r>
+            <a:br>
+              <a:rPr lang="en-US" u="sng" dirty="0">
+                <a:solidFill>
+                  <a:srgbClr val="FFFF00"/>
+                </a:solidFill>
+                <a:latin typeface="Times New Roman" panose="02020603050405020304" pitchFamily="18" charset="0"/>
+                <a:cs typeface="Times New Roman" panose="02020603050405020304" pitchFamily="18" charset="0"/>
+              </a:rPr>
+            </a:br>
+            <a:r>
+              <a:rPr lang="en-US" dirty="0">
+                <a:solidFill>
+                  <a:srgbClr val="FFFF00"/>
+                </a:solidFill>
+                <a:latin typeface="Times New Roman" panose="02020603050405020304" pitchFamily="18" charset="0"/>
+                <a:cs typeface="Times New Roman" panose="02020603050405020304" pitchFamily="18" charset="0"/>
+              </a:rPr>
+              <a:t>Many are of type </a:t>
+            </a:r>
+            <a:r>
+              <a:rPr lang="en-US" dirty="0" err="1">
+                <a:solidFill>
+                  <a:srgbClr val="FFFF00"/>
+                </a:solidFill>
+                <a:latin typeface="Times New Roman" panose="02020603050405020304" pitchFamily="18" charset="0"/>
+                <a:cs typeface="Times New Roman" panose="02020603050405020304" pitchFamily="18" charset="0"/>
+              </a:rPr>
+              <a:t>element_list</a:t>
+            </a:r>
+            <a:r>
+              <a:rPr lang="en-US" dirty="0">
+                <a:solidFill>
+                  <a:srgbClr val="FFFF00"/>
+                </a:solidFill>
+                <a:latin typeface="Times New Roman" panose="02020603050405020304" pitchFamily="18" charset="0"/>
+                <a:cs typeface="Times New Roman" panose="02020603050405020304" pitchFamily="18" charset="0"/>
+              </a:rPr>
+              <a:t>, </a:t>
+            </a:r>
+            <a:r>
+              <a:rPr lang="en-US" dirty="0" err="1">
+                <a:solidFill>
+                  <a:srgbClr val="FFFF00"/>
+                </a:solidFill>
+                <a:latin typeface="Times New Roman" panose="02020603050405020304" pitchFamily="18" charset="0"/>
+                <a:cs typeface="Times New Roman" panose="02020603050405020304" pitchFamily="18" charset="0"/>
+              </a:rPr>
+              <a:t>element_rect</a:t>
+            </a:r>
+            <a:r>
+              <a:rPr lang="en-US" dirty="0">
+                <a:solidFill>
+                  <a:srgbClr val="FFFF00"/>
+                </a:solidFill>
+                <a:latin typeface="Times New Roman" panose="02020603050405020304" pitchFamily="18" charset="0"/>
+                <a:cs typeface="Times New Roman" panose="02020603050405020304" pitchFamily="18" charset="0"/>
+              </a:rPr>
+              <a:t>, or </a:t>
+            </a:r>
+            <a:r>
+              <a:rPr lang="en-US" dirty="0" err="1">
+                <a:solidFill>
+                  <a:srgbClr val="FFFF00"/>
+                </a:solidFill>
+                <a:latin typeface="Times New Roman" panose="02020603050405020304" pitchFamily="18" charset="0"/>
+                <a:cs typeface="Times New Roman" panose="02020603050405020304" pitchFamily="18" charset="0"/>
+              </a:rPr>
+              <a:t>element_text</a:t>
+            </a:r>
+            <a:br>
+              <a:rPr lang="en-US" dirty="0">
+                <a:solidFill>
+                  <a:srgbClr val="FFFF00"/>
+                </a:solidFill>
+                <a:latin typeface="Times New Roman" panose="02020603050405020304" pitchFamily="18" charset="0"/>
+                <a:cs typeface="Times New Roman" panose="02020603050405020304" pitchFamily="18" charset="0"/>
+              </a:rPr>
+            </a:br>
+            <a:br>
+              <a:rPr lang="en-US" dirty="0">
+                <a:solidFill>
+                  <a:srgbClr val="FFFF00"/>
+                </a:solidFill>
+                <a:latin typeface="Times New Roman" panose="02020603050405020304" pitchFamily="18" charset="0"/>
+                <a:cs typeface="Times New Roman" panose="02020603050405020304" pitchFamily="18" charset="0"/>
+              </a:rPr>
+            </a:br>
+            <a:r>
+              <a:rPr lang="en-US" dirty="0">
+                <a:solidFill>
+                  <a:srgbClr val="FFFF00"/>
+                </a:solidFill>
+                <a:latin typeface="Times New Roman" panose="02020603050405020304" pitchFamily="18" charset="0"/>
+                <a:cs typeface="Times New Roman" panose="02020603050405020304" pitchFamily="18" charset="0"/>
+                <a:hlinkClick r:id="rId2"/>
+              </a:rPr>
+              <a:t>https://ggplot2.tidyverse.org/reference/theme.html</a:t>
+            </a:r>
+            <a:br>
+              <a:rPr lang="en-US" dirty="0">
+                <a:solidFill>
+                  <a:srgbClr val="FFFF00"/>
+                </a:solidFill>
+                <a:latin typeface="Times New Roman" panose="02020603050405020304" pitchFamily="18" charset="0"/>
+                <a:cs typeface="Times New Roman" panose="02020603050405020304" pitchFamily="18" charset="0"/>
+              </a:rPr>
+            </a:br>
+            <a:br>
+              <a:rPr lang="en-US" dirty="0">
+                <a:solidFill>
+                  <a:srgbClr val="FFFF00"/>
+                </a:solidFill>
+                <a:latin typeface="Times New Roman" panose="02020603050405020304" pitchFamily="18" charset="0"/>
+                <a:cs typeface="Times New Roman" panose="02020603050405020304" pitchFamily="18" charset="0"/>
+              </a:rPr>
+            </a:br>
+            <a:r>
+              <a:rPr lang="en-US" dirty="0">
+                <a:solidFill>
+                  <a:srgbClr val="FFFF00"/>
+                </a:solidFill>
+                <a:latin typeface="Times New Roman" panose="02020603050405020304" pitchFamily="18" charset="0"/>
+                <a:cs typeface="Times New Roman" panose="02020603050405020304" pitchFamily="18" charset="0"/>
+              </a:rPr>
+              <a:t>Want you to use unique components from this list</a:t>
+            </a:r>
+          </a:p>
+        </p:txBody>
+      </p:sp>
+    </p:spTree>
+    <p:extLst>
+      <p:ext uri="{BB962C8B-B14F-4D97-AF65-F5344CB8AC3E}">
+        <p14:creationId xmlns:p14="http://schemas.microsoft.com/office/powerpoint/2010/main" val="1996894364"/>
+      </p:ext>
+    </p:extLst>
+  </p:cSld>
+  <p:clrMapOvr>
+    <a:masterClrMapping/>
+  </p:clrMapOvr>
+</p:sld>
+</file>
+
+<file path=ppt/slides/slide4.xml><?xml version="1.0" encoding="utf-8"?>
+<p:sld xmlns:a="http://schemas.openxmlformats.org/drawingml/2006/main" xmlns:r="http://schemas.openxmlformats.org/officeDocument/2006/relationships" xmlns:p="http://schemas.openxmlformats.org/presentationml/2006/main">
+  <p:cSld>
+    <p:spTree>
+      <p:nvGrpSpPr>
+        <p:cNvPr id="1" name=""/>
+        <p:cNvGrpSpPr/>
+        <p:nvPr/>
+      </p:nvGrpSpPr>
+      <p:grpSpPr>
+        <a:xfrm>
+          <a:off x="0" y="0"/>
+          <a:ext cx="0" cy="0"/>
+          <a:chOff x="0" y="0"/>
+          <a:chExt cx="0" cy="0"/>
+        </a:xfrm>
+      </p:grpSpPr>
+      <p:sp>
+        <p:nvSpPr>
+          <p:cNvPr id="2" name="Title 1">
+            <a:extLst>
+              <a:ext uri="{FF2B5EF4-FFF2-40B4-BE49-F238E27FC236}">
+                <a16:creationId xmlns:a16="http://schemas.microsoft.com/office/drawing/2014/main" id="{BA1E47E7-0486-4E1C-929A-58A083BDF5ED}"/>
+              </a:ext>
+            </a:extLst>
+          </p:cNvPr>
+          <p:cNvSpPr>
+            <a:spLocks noGrp="1"/>
+          </p:cNvSpPr>
+          <p:nvPr>
+            <p:ph type="title"/>
+          </p:nvPr>
+        </p:nvSpPr>
+        <p:spPr>
+          <a:xfrm>
+            <a:off x="0" y="0"/>
+            <a:ext cx="12191999" cy="6858000"/>
+          </a:xfrm>
+        </p:spPr>
+        <p:txBody>
+          <a:bodyPr>
+            <a:normAutofit/>
+          </a:bodyPr>
+          <a:lstStyle/>
+          <a:p>
+            <a:pPr algn="ctr"/>
+            <a:r>
+              <a:rPr lang="en-US" u="sng" dirty="0">
+                <a:solidFill>
+                  <a:srgbClr val="FFFF00"/>
+                </a:solidFill>
+                <a:latin typeface="Times New Roman" panose="02020603050405020304" pitchFamily="18" charset="0"/>
+                <a:cs typeface="Times New Roman" panose="02020603050405020304" pitchFamily="18" charset="0"/>
+              </a:rPr>
+              <a:t>Group 1:</a:t>
+            </a:r>
+            <a:br>
+              <a:rPr lang="en-US" u="sng" dirty="0">
+                <a:solidFill>
+                  <a:srgbClr val="FFFF00"/>
+                </a:solidFill>
+                <a:latin typeface="Times New Roman" panose="02020603050405020304" pitchFamily="18" charset="0"/>
+                <a:cs typeface="Times New Roman" panose="02020603050405020304" pitchFamily="18" charset="0"/>
+              </a:rPr>
+            </a:br>
+            <a:r>
+              <a:rPr lang="en-US" dirty="0">
+                <a:solidFill>
+                  <a:srgbClr val="FFFF00"/>
+                </a:solidFill>
+                <a:latin typeface="Times New Roman" panose="02020603050405020304" pitchFamily="18" charset="0"/>
+                <a:cs typeface="Times New Roman" panose="02020603050405020304" pitchFamily="18" charset="0"/>
+              </a:rPr>
+              <a:t>- Hand in plot (through Team)</a:t>
+            </a:r>
+            <a:br>
+              <a:rPr lang="en-US" dirty="0">
+                <a:solidFill>
+                  <a:srgbClr val="FFFF00"/>
+                </a:solidFill>
+                <a:latin typeface="Times New Roman" panose="02020603050405020304" pitchFamily="18" charset="0"/>
+                <a:cs typeface="Times New Roman" panose="02020603050405020304" pitchFamily="18" charset="0"/>
+              </a:rPr>
+            </a:br>
+            <a:r>
+              <a:rPr lang="en-US" dirty="0">
+                <a:solidFill>
+                  <a:srgbClr val="FFFF00"/>
+                </a:solidFill>
+                <a:latin typeface="Times New Roman" panose="02020603050405020304" pitchFamily="18" charset="0"/>
+                <a:cs typeface="Times New Roman" panose="02020603050405020304" pitchFamily="18" charset="0"/>
+              </a:rPr>
+              <a:t>- How important are </a:t>
+            </a:r>
+            <a:r>
+              <a:rPr lang="en-US" dirty="0" err="1">
+                <a:solidFill>
+                  <a:srgbClr val="FFFF00"/>
+                </a:solidFill>
+                <a:latin typeface="Times New Roman" panose="02020603050405020304" pitchFamily="18" charset="0"/>
+                <a:cs typeface="Times New Roman" panose="02020603050405020304" pitchFamily="18" charset="0"/>
+              </a:rPr>
+              <a:t>barplots</a:t>
+            </a:r>
+            <a:r>
+              <a:rPr lang="en-US" dirty="0">
+                <a:solidFill>
+                  <a:srgbClr val="FFFF00"/>
+                </a:solidFill>
+                <a:latin typeface="Times New Roman" panose="02020603050405020304" pitchFamily="18" charset="0"/>
+                <a:cs typeface="Times New Roman" panose="02020603050405020304" pitchFamily="18" charset="0"/>
+              </a:rPr>
+              <a:t> and boxplots (1 minute report)?</a:t>
+            </a:r>
+            <a:br>
+              <a:rPr lang="en-US" dirty="0">
+                <a:solidFill>
+                  <a:srgbClr val="FFFF00"/>
+                </a:solidFill>
+                <a:latin typeface="Times New Roman" panose="02020603050405020304" pitchFamily="18" charset="0"/>
+                <a:cs typeface="Times New Roman" panose="02020603050405020304" pitchFamily="18" charset="0"/>
+              </a:rPr>
+            </a:br>
+            <a:r>
+              <a:rPr lang="en-US" dirty="0">
+                <a:solidFill>
+                  <a:srgbClr val="FFFF00"/>
+                </a:solidFill>
+                <a:latin typeface="Times New Roman" panose="02020603050405020304" pitchFamily="18" charset="0"/>
+                <a:cs typeface="Times New Roman" panose="02020603050405020304" pitchFamily="18" charset="0"/>
+              </a:rPr>
+              <a:t>- Start with element components</a:t>
+            </a:r>
+          </a:p>
+        </p:txBody>
+      </p:sp>
+    </p:spTree>
+    <p:extLst>
+      <p:ext uri="{BB962C8B-B14F-4D97-AF65-F5344CB8AC3E}">
+        <p14:creationId xmlns:p14="http://schemas.microsoft.com/office/powerpoint/2010/main" val="3313251896"/>
+      </p:ext>
+    </p:extLst>
+  </p:cSld>
+  <p:clrMapOvr>
+    <a:masterClrMapping/>
+  </p:clrMapOvr>
+</p:sld>
+</file>
+
+<file path=ppt/slides/slide5.xml><?xml version="1.0" encoding="utf-8"?>
+<p:sld xmlns:a="http://schemas.openxmlformats.org/drawingml/2006/main" xmlns:r="http://schemas.openxmlformats.org/officeDocument/2006/relationships" xmlns:p="http://schemas.openxmlformats.org/presentationml/2006/main">
+  <p:cSld>
+    <p:spTree>
+      <p:nvGrpSpPr>
+        <p:cNvPr id="1" name=""/>
+        <p:cNvGrpSpPr/>
+        <p:nvPr/>
+      </p:nvGrpSpPr>
+      <p:grpSpPr>
+        <a:xfrm>
+          <a:off x="0" y="0"/>
+          <a:ext cx="0" cy="0"/>
+          <a:chOff x="0" y="0"/>
+          <a:chExt cx="0" cy="0"/>
+        </a:xfrm>
+      </p:grpSpPr>
+      <p:sp>
+        <p:nvSpPr>
+          <p:cNvPr id="2" name="Title 1">
+            <a:extLst>
+              <a:ext uri="{FF2B5EF4-FFF2-40B4-BE49-F238E27FC236}">
+                <a16:creationId xmlns:a16="http://schemas.microsoft.com/office/drawing/2014/main" id="{BA1E47E7-0486-4E1C-929A-58A083BDF5ED}"/>
+              </a:ext>
+            </a:extLst>
+          </p:cNvPr>
+          <p:cNvSpPr>
+            <a:spLocks noGrp="1"/>
+          </p:cNvSpPr>
+          <p:nvPr>
+            <p:ph type="title"/>
+          </p:nvPr>
+        </p:nvSpPr>
+        <p:spPr>
+          <a:xfrm>
+            <a:off x="0" y="0"/>
+            <a:ext cx="12191999" cy="6858000"/>
+          </a:xfrm>
+        </p:spPr>
+        <p:txBody>
+          <a:bodyPr>
+            <a:normAutofit/>
+          </a:bodyPr>
+          <a:lstStyle/>
+          <a:p>
+            <a:pPr algn="ctr"/>
+            <a:r>
+              <a:rPr lang="en-US" u="sng" dirty="0">
+                <a:solidFill>
+                  <a:srgbClr val="FFFF00"/>
+                </a:solidFill>
+                <a:latin typeface="Times New Roman" panose="02020603050405020304" pitchFamily="18" charset="0"/>
+                <a:cs typeface="Times New Roman" panose="02020603050405020304" pitchFamily="18" charset="0"/>
+              </a:rPr>
+              <a:t>Three ways working directories are determined:</a:t>
+            </a:r>
+            <a:br>
+              <a:rPr lang="en-US" u="sng" dirty="0">
+                <a:solidFill>
+                  <a:srgbClr val="FFFF00"/>
+                </a:solidFill>
+                <a:latin typeface="Times New Roman" panose="02020603050405020304" pitchFamily="18" charset="0"/>
+                <a:cs typeface="Times New Roman" panose="02020603050405020304" pitchFamily="18" charset="0"/>
+              </a:rPr>
+            </a:br>
+            <a:br>
+              <a:rPr lang="en-US" u="sng" dirty="0">
+                <a:solidFill>
+                  <a:srgbClr val="FFFF00"/>
+                </a:solidFill>
+                <a:latin typeface="Times New Roman" panose="02020603050405020304" pitchFamily="18" charset="0"/>
+                <a:cs typeface="Times New Roman" panose="02020603050405020304" pitchFamily="18" charset="0"/>
+              </a:rPr>
+            </a:br>
+            <a:r>
+              <a:rPr lang="en-US" dirty="0">
+                <a:solidFill>
+                  <a:srgbClr val="FFFF00"/>
+                </a:solidFill>
+                <a:latin typeface="Times New Roman" panose="02020603050405020304" pitchFamily="18" charset="0"/>
+                <a:cs typeface="Times New Roman" panose="02020603050405020304" pitchFamily="18" charset="0"/>
+              </a:rPr>
+              <a:t>1) The R way</a:t>
+            </a:r>
+            <a:br>
+              <a:rPr lang="en-US" dirty="0">
+                <a:solidFill>
+                  <a:srgbClr val="FFFF00"/>
+                </a:solidFill>
+                <a:latin typeface="Times New Roman" panose="02020603050405020304" pitchFamily="18" charset="0"/>
+                <a:cs typeface="Times New Roman" panose="02020603050405020304" pitchFamily="18" charset="0"/>
+              </a:rPr>
+            </a:br>
+            <a:r>
+              <a:rPr lang="en-US" dirty="0">
+                <a:solidFill>
+                  <a:srgbClr val="FFFF00"/>
+                </a:solidFill>
+                <a:latin typeface="Times New Roman" panose="02020603050405020304" pitchFamily="18" charset="0"/>
+                <a:cs typeface="Times New Roman" panose="02020603050405020304" pitchFamily="18" charset="0"/>
+              </a:rPr>
+              <a:t>2) The RStudio Projects way</a:t>
+            </a:r>
+            <a:br>
+              <a:rPr lang="en-US" dirty="0">
+                <a:solidFill>
+                  <a:srgbClr val="FFFF00"/>
+                </a:solidFill>
+                <a:latin typeface="Times New Roman" panose="02020603050405020304" pitchFamily="18" charset="0"/>
+                <a:cs typeface="Times New Roman" panose="02020603050405020304" pitchFamily="18" charset="0"/>
+              </a:rPr>
+            </a:br>
+            <a:r>
+              <a:rPr lang="en-US" dirty="0">
+                <a:solidFill>
+                  <a:srgbClr val="FFFF00"/>
+                </a:solidFill>
+                <a:latin typeface="Times New Roman" panose="02020603050405020304" pitchFamily="18" charset="0"/>
+                <a:cs typeface="Times New Roman" panose="02020603050405020304" pitchFamily="18" charset="0"/>
+              </a:rPr>
+              <a:t>3) The way of the rest of the programming world</a:t>
+            </a:r>
+          </a:p>
+        </p:txBody>
+      </p:sp>
+    </p:spTree>
+    <p:extLst>
+      <p:ext uri="{BB962C8B-B14F-4D97-AF65-F5344CB8AC3E}">
+        <p14:creationId xmlns:p14="http://schemas.microsoft.com/office/powerpoint/2010/main" val="947962440"/>
+      </p:ext>
+    </p:extLst>
+  </p:cSld>
+  <p:clrMapOvr>
+    <a:masterClrMapping/>
+  </p:clrMapOvr>
+</p:sld>
+</file>
+
+<file path=ppt/slides/slide6.xml><?xml version="1.0" encoding="utf-8"?>
+<p:sld xmlns:a="http://schemas.openxmlformats.org/drawingml/2006/main" xmlns:r="http://schemas.openxmlformats.org/officeDocument/2006/relationships" xmlns:p="http://schemas.openxmlformats.org/presentationml/2006/main">
+  <p:cSld>
+    <p:spTree>
+      <p:nvGrpSpPr>
+        <p:cNvPr id="1" name=""/>
+        <p:cNvGrpSpPr/>
+        <p:nvPr/>
+      </p:nvGrpSpPr>
+      <p:grpSpPr>
+        <a:xfrm>
+          <a:off x="0" y="0"/>
+          <a:ext cx="0" cy="0"/>
+          <a:chOff x="0" y="0"/>
+          <a:chExt cx="0" cy="0"/>
+        </a:xfrm>
+      </p:grpSpPr>
+      <p:sp>
+        <p:nvSpPr>
+          <p:cNvPr id="2" name="Title 1">
+            <a:extLst>
+              <a:ext uri="{FF2B5EF4-FFF2-40B4-BE49-F238E27FC236}">
+                <a16:creationId xmlns:a16="http://schemas.microsoft.com/office/drawing/2014/main" id="{BA1E47E7-0486-4E1C-929A-58A083BDF5ED}"/>
+              </a:ext>
+            </a:extLst>
+          </p:cNvPr>
+          <p:cNvSpPr>
+            <a:spLocks noGrp="1"/>
+          </p:cNvSpPr>
+          <p:nvPr>
+            <p:ph type="title"/>
+          </p:nvPr>
+        </p:nvSpPr>
+        <p:spPr>
+          <a:xfrm>
+            <a:off x="0" y="0"/>
+            <a:ext cx="12191999" cy="6858000"/>
+          </a:xfrm>
+        </p:spPr>
+        <p:txBody>
+          <a:bodyPr>
+            <a:normAutofit/>
+          </a:bodyPr>
+          <a:lstStyle/>
+          <a:p>
+            <a:pPr algn="ctr"/>
+            <a:r>
+              <a:rPr lang="en-US" u="sng" dirty="0">
+                <a:solidFill>
+                  <a:srgbClr val="FFFF00"/>
+                </a:solidFill>
+                <a:latin typeface="Times New Roman" panose="02020603050405020304" pitchFamily="18" charset="0"/>
+                <a:cs typeface="Times New Roman" panose="02020603050405020304" pitchFamily="18" charset="0"/>
+              </a:rPr>
+              <a:t>Working Directories: The R way</a:t>
+            </a:r>
+            <a:br>
+              <a:rPr lang="en-US" u="sng" dirty="0">
+                <a:solidFill>
+                  <a:srgbClr val="FFFF00"/>
+                </a:solidFill>
+                <a:latin typeface="Times New Roman" panose="02020603050405020304" pitchFamily="18" charset="0"/>
+                <a:cs typeface="Times New Roman" panose="02020603050405020304" pitchFamily="18" charset="0"/>
+              </a:rPr>
+            </a:br>
+            <a:r>
+              <a:rPr lang="en-US" dirty="0">
+                <a:solidFill>
+                  <a:srgbClr val="FFFF00"/>
+                </a:solidFill>
+                <a:latin typeface="Times New Roman" panose="02020603050405020304" pitchFamily="18" charset="0"/>
+                <a:cs typeface="Times New Roman" panose="02020603050405020304" pitchFamily="18" charset="0"/>
+              </a:rPr>
+              <a:t>Working directory is a </a:t>
+            </a:r>
+            <a:r>
+              <a:rPr lang="en-US" dirty="0">
+                <a:solidFill>
+                  <a:srgbClr val="FF0000"/>
+                </a:solidFill>
+                <a:latin typeface="Times New Roman" panose="02020603050405020304" pitchFamily="18" charset="0"/>
+                <a:cs typeface="Times New Roman" panose="02020603050405020304" pitchFamily="18" charset="0"/>
+              </a:rPr>
+              <a:t>Session Variable </a:t>
+            </a:r>
+            <a:r>
+              <a:rPr lang="en-US" dirty="0">
+                <a:solidFill>
+                  <a:srgbClr val="FFFF00"/>
+                </a:solidFill>
+                <a:latin typeface="Times New Roman" panose="02020603050405020304" pitchFamily="18" charset="0"/>
+                <a:cs typeface="Times New Roman" panose="02020603050405020304" pitchFamily="18" charset="0"/>
+              </a:rPr>
+              <a:t>– meaning all open script files have the same Working Directory.</a:t>
+            </a:r>
+            <a:br>
+              <a:rPr lang="en-US" dirty="0">
+                <a:solidFill>
+                  <a:srgbClr val="FFFF00"/>
+                </a:solidFill>
+                <a:latin typeface="Times New Roman" panose="02020603050405020304" pitchFamily="18" charset="0"/>
+                <a:cs typeface="Times New Roman" panose="02020603050405020304" pitchFamily="18" charset="0"/>
+              </a:rPr>
+            </a:br>
+            <a:br>
+              <a:rPr lang="en-US" dirty="0">
+                <a:solidFill>
+                  <a:srgbClr val="FFFF00"/>
+                </a:solidFill>
+                <a:latin typeface="Times New Roman" panose="02020603050405020304" pitchFamily="18" charset="0"/>
+                <a:cs typeface="Times New Roman" panose="02020603050405020304" pitchFamily="18" charset="0"/>
+              </a:rPr>
+            </a:br>
+            <a:r>
+              <a:rPr lang="en-US" dirty="0">
+                <a:solidFill>
+                  <a:srgbClr val="FFFF00"/>
+                </a:solidFill>
+                <a:latin typeface="Times New Roman" panose="02020603050405020304" pitchFamily="18" charset="0"/>
+                <a:cs typeface="Times New Roman" panose="02020603050405020304" pitchFamily="18" charset="0"/>
+              </a:rPr>
+              <a:t>Changing the Working Directory in one open script change it for all open scripts.</a:t>
+            </a:r>
+            <a:br>
+              <a:rPr lang="en-US" dirty="0">
+                <a:solidFill>
+                  <a:srgbClr val="FFFF00"/>
+                </a:solidFill>
+                <a:latin typeface="Times New Roman" panose="02020603050405020304" pitchFamily="18" charset="0"/>
+                <a:cs typeface="Times New Roman" panose="02020603050405020304" pitchFamily="18" charset="0"/>
+              </a:rPr>
+            </a:br>
+            <a:br>
+              <a:rPr lang="en-US" dirty="0">
+                <a:solidFill>
+                  <a:srgbClr val="FFFF00"/>
+                </a:solidFill>
+                <a:latin typeface="Times New Roman" panose="02020603050405020304" pitchFamily="18" charset="0"/>
+                <a:cs typeface="Times New Roman" panose="02020603050405020304" pitchFamily="18" charset="0"/>
+              </a:rPr>
+            </a:br>
+            <a:r>
+              <a:rPr lang="en-US" dirty="0">
+                <a:solidFill>
+                  <a:srgbClr val="FFFF00"/>
+                </a:solidFill>
+                <a:latin typeface="Times New Roman" panose="02020603050405020304" pitchFamily="18" charset="0"/>
+                <a:cs typeface="Times New Roman" panose="02020603050405020304" pitchFamily="18" charset="0"/>
+              </a:rPr>
+              <a:t>The initial Working Directory is determined by how R was open (it’s chaotic…)</a:t>
+            </a:r>
+          </a:p>
+        </p:txBody>
+      </p:sp>
+    </p:spTree>
+    <p:extLst>
+      <p:ext uri="{BB962C8B-B14F-4D97-AF65-F5344CB8AC3E}">
+        <p14:creationId xmlns:p14="http://schemas.microsoft.com/office/powerpoint/2010/main" val="2203167127"/>
+      </p:ext>
+    </p:extLst>
+  </p:cSld>
+  <p:clrMapOvr>
+    <a:masterClrMapping/>
+  </p:clrMapOvr>
+</p:sld>
+</file>
+
+<file path=ppt/slides/slide7.xml><?xml version="1.0" encoding="utf-8"?>
+<p:sld xmlns:a="http://schemas.openxmlformats.org/drawingml/2006/main" xmlns:r="http://schemas.openxmlformats.org/officeDocument/2006/relationships" xmlns:p="http://schemas.openxmlformats.org/presentationml/2006/main">
+  <p:cSld>
+    <p:spTree>
+      <p:nvGrpSpPr>
+        <p:cNvPr id="1" name=""/>
+        <p:cNvGrpSpPr/>
+        <p:nvPr/>
+      </p:nvGrpSpPr>
+      <p:grpSpPr>
+        <a:xfrm>
+          <a:off x="0" y="0"/>
+          <a:ext cx="0" cy="0"/>
+          <a:chOff x="0" y="0"/>
+          <a:chExt cx="0" cy="0"/>
+        </a:xfrm>
+      </p:grpSpPr>
+      <p:sp>
+        <p:nvSpPr>
+          <p:cNvPr id="2" name="Title 1">
+            <a:extLst>
+              <a:ext uri="{FF2B5EF4-FFF2-40B4-BE49-F238E27FC236}">
+                <a16:creationId xmlns:a16="http://schemas.microsoft.com/office/drawing/2014/main" id="{BA1E47E7-0486-4E1C-929A-58A083BDF5ED}"/>
+              </a:ext>
+            </a:extLst>
+          </p:cNvPr>
+          <p:cNvSpPr>
+            <a:spLocks noGrp="1"/>
+          </p:cNvSpPr>
+          <p:nvPr>
+            <p:ph type="title"/>
+          </p:nvPr>
+        </p:nvSpPr>
+        <p:spPr>
+          <a:xfrm>
+            <a:off x="0" y="0"/>
+            <a:ext cx="12191999" cy="6858000"/>
+          </a:xfrm>
+        </p:spPr>
+        <p:txBody>
+          <a:bodyPr>
+            <a:normAutofit/>
+          </a:bodyPr>
+          <a:lstStyle/>
+          <a:p>
+            <a:pPr algn="ctr"/>
+            <a:r>
+              <a:rPr lang="en-US" u="sng" dirty="0">
+                <a:solidFill>
+                  <a:srgbClr val="FFFF00"/>
+                </a:solidFill>
+                <a:latin typeface="Times New Roman" panose="02020603050405020304" pitchFamily="18" charset="0"/>
+                <a:cs typeface="Times New Roman" panose="02020603050405020304" pitchFamily="18" charset="0"/>
+              </a:rPr>
+              <a:t>Working Directories: The RStudio Projects way</a:t>
+            </a:r>
+            <a:br>
+              <a:rPr lang="en-US" u="sng" dirty="0">
+                <a:solidFill>
+                  <a:srgbClr val="FFFF00"/>
+                </a:solidFill>
+                <a:latin typeface="Times New Roman" panose="02020603050405020304" pitchFamily="18" charset="0"/>
+                <a:cs typeface="Times New Roman" panose="02020603050405020304" pitchFamily="18" charset="0"/>
+              </a:rPr>
+            </a:br>
+            <a:r>
+              <a:rPr lang="en-US" dirty="0">
+                <a:solidFill>
+                  <a:srgbClr val="FFFF00"/>
+                </a:solidFill>
+                <a:latin typeface="Times New Roman" panose="02020603050405020304" pitchFamily="18" charset="0"/>
+                <a:cs typeface="Times New Roman" panose="02020603050405020304" pitchFamily="18" charset="0"/>
+              </a:rPr>
+              <a:t>A hack on R…</a:t>
+            </a:r>
+            <a:br>
+              <a:rPr lang="en-US" dirty="0">
+                <a:solidFill>
+                  <a:srgbClr val="FFFF00"/>
+                </a:solidFill>
+                <a:latin typeface="Times New Roman" panose="02020603050405020304" pitchFamily="18" charset="0"/>
+                <a:cs typeface="Times New Roman" panose="02020603050405020304" pitchFamily="18" charset="0"/>
+              </a:rPr>
+            </a:br>
+            <a:br>
+              <a:rPr lang="en-US" dirty="0">
+                <a:solidFill>
+                  <a:srgbClr val="FFFF00"/>
+                </a:solidFill>
+                <a:latin typeface="Times New Roman" panose="02020603050405020304" pitchFamily="18" charset="0"/>
+                <a:cs typeface="Times New Roman" panose="02020603050405020304" pitchFamily="18" charset="0"/>
+              </a:rPr>
+            </a:br>
+            <a:r>
+              <a:rPr lang="en-US" dirty="0">
+                <a:solidFill>
+                  <a:srgbClr val="C00000"/>
+                </a:solidFill>
+                <a:latin typeface="Times New Roman" panose="02020603050405020304" pitchFamily="18" charset="0"/>
+                <a:cs typeface="Times New Roman" panose="02020603050405020304" pitchFamily="18" charset="0"/>
+              </a:rPr>
+              <a:t>RStudio Projects create a new Session </a:t>
+            </a:r>
+            <a:r>
+              <a:rPr lang="en-US" dirty="0">
+                <a:solidFill>
+                  <a:srgbClr val="FFFF00"/>
+                </a:solidFill>
+                <a:latin typeface="Times New Roman" panose="02020603050405020304" pitchFamily="18" charset="0"/>
+                <a:cs typeface="Times New Roman" panose="02020603050405020304" pitchFamily="18" charset="0"/>
+              </a:rPr>
+              <a:t>that sets the Working Directory to the Project Folder (the folder with the *.</a:t>
+            </a:r>
+            <a:r>
+              <a:rPr lang="en-US" dirty="0" err="1">
+                <a:solidFill>
+                  <a:srgbClr val="FFFF00"/>
+                </a:solidFill>
+                <a:latin typeface="Times New Roman" panose="02020603050405020304" pitchFamily="18" charset="0"/>
+                <a:cs typeface="Times New Roman" panose="02020603050405020304" pitchFamily="18" charset="0"/>
+              </a:rPr>
+              <a:t>Rproj</a:t>
+            </a:r>
+            <a:r>
+              <a:rPr lang="en-US" dirty="0">
+                <a:solidFill>
+                  <a:srgbClr val="FFFF00"/>
+                </a:solidFill>
+                <a:latin typeface="Times New Roman" panose="02020603050405020304" pitchFamily="18" charset="0"/>
+                <a:cs typeface="Times New Roman" panose="02020603050405020304" pitchFamily="18" charset="0"/>
+              </a:rPr>
+              <a:t> file)</a:t>
+            </a:r>
+            <a:br>
+              <a:rPr lang="en-US" dirty="0">
+                <a:solidFill>
+                  <a:srgbClr val="FFFF00"/>
+                </a:solidFill>
+                <a:latin typeface="Times New Roman" panose="02020603050405020304" pitchFamily="18" charset="0"/>
+                <a:cs typeface="Times New Roman" panose="02020603050405020304" pitchFamily="18" charset="0"/>
+              </a:rPr>
+            </a:br>
+            <a:br>
+              <a:rPr lang="en-US" dirty="0">
+                <a:solidFill>
+                  <a:srgbClr val="FFFF00"/>
+                </a:solidFill>
+                <a:latin typeface="Times New Roman" panose="02020603050405020304" pitchFamily="18" charset="0"/>
+                <a:cs typeface="Times New Roman" panose="02020603050405020304" pitchFamily="18" charset="0"/>
+              </a:rPr>
+            </a:br>
+            <a:r>
+              <a:rPr lang="en-US" dirty="0">
+                <a:solidFill>
+                  <a:srgbClr val="FFFF00"/>
+                </a:solidFill>
+                <a:latin typeface="Times New Roman" panose="02020603050405020304" pitchFamily="18" charset="0"/>
+                <a:cs typeface="Times New Roman" panose="02020603050405020304" pitchFamily="18" charset="0"/>
+              </a:rPr>
+              <a:t>You can have multiple RStudio Projects in multiple Sessions – and they will each have different Working Directories.</a:t>
+            </a:r>
+          </a:p>
+        </p:txBody>
+      </p:sp>
+    </p:spTree>
+    <p:extLst>
+      <p:ext uri="{BB962C8B-B14F-4D97-AF65-F5344CB8AC3E}">
+        <p14:creationId xmlns:p14="http://schemas.microsoft.com/office/powerpoint/2010/main" val="591099552"/>
+      </p:ext>
+    </p:extLst>
+  </p:cSld>
+  <p:clrMapOvr>
+    <a:masterClrMapping/>
+  </p:clrMapOvr>
+</p:sld>
+</file>
+
+<file path=ppt/slides/slide8.xml><?xml version="1.0" encoding="utf-8"?>
+<p:sld xmlns:a="http://schemas.openxmlformats.org/drawingml/2006/main" xmlns:r="http://schemas.openxmlformats.org/officeDocument/2006/relationships" xmlns:p="http://schemas.openxmlformats.org/presentationml/2006/main">
+  <p:cSld>
+    <p:spTree>
+      <p:nvGrpSpPr>
+        <p:cNvPr id="1" name=""/>
+        <p:cNvGrpSpPr/>
+        <p:nvPr/>
+      </p:nvGrpSpPr>
+      <p:grpSpPr>
+        <a:xfrm>
+          <a:off x="0" y="0"/>
+          <a:ext cx="0" cy="0"/>
+          <a:chOff x="0" y="0"/>
+          <a:chExt cx="0" cy="0"/>
+        </a:xfrm>
+      </p:grpSpPr>
+      <p:sp>
+        <p:nvSpPr>
+          <p:cNvPr id="2" name="Title 1">
+            <a:extLst>
+              <a:ext uri="{FF2B5EF4-FFF2-40B4-BE49-F238E27FC236}">
+                <a16:creationId xmlns:a16="http://schemas.microsoft.com/office/drawing/2014/main" id="{BA1E47E7-0486-4E1C-929A-58A083BDF5ED}"/>
+              </a:ext>
+            </a:extLst>
+          </p:cNvPr>
+          <p:cNvSpPr>
+            <a:spLocks noGrp="1"/>
+          </p:cNvSpPr>
+          <p:nvPr>
+            <p:ph type="title"/>
+          </p:nvPr>
+        </p:nvSpPr>
+        <p:spPr>
+          <a:xfrm>
+            <a:off x="0" y="0"/>
+            <a:ext cx="12191999" cy="6858000"/>
+          </a:xfrm>
+        </p:spPr>
+        <p:txBody>
+          <a:bodyPr>
+            <a:normAutofit/>
+          </a:bodyPr>
+          <a:lstStyle/>
+          <a:p>
+            <a:pPr algn="ctr"/>
+            <a:r>
+              <a:rPr lang="en-US" u="sng" dirty="0">
+                <a:solidFill>
+                  <a:srgbClr val="FFFF00"/>
+                </a:solidFill>
+                <a:latin typeface="Times New Roman" panose="02020603050405020304" pitchFamily="18" charset="0"/>
+                <a:cs typeface="Times New Roman" panose="02020603050405020304" pitchFamily="18" charset="0"/>
+              </a:rPr>
+              <a:t>Working Directories: The rest of the world</a:t>
+            </a:r>
+            <a:br>
+              <a:rPr lang="en-US" u="sng" dirty="0">
+                <a:solidFill>
+                  <a:srgbClr val="FFFF00"/>
+                </a:solidFill>
+                <a:latin typeface="Times New Roman" panose="02020603050405020304" pitchFamily="18" charset="0"/>
+                <a:cs typeface="Times New Roman" panose="02020603050405020304" pitchFamily="18" charset="0"/>
+              </a:rPr>
+            </a:br>
+            <a:br>
+              <a:rPr lang="en-US" u="sng" dirty="0">
+                <a:solidFill>
+                  <a:srgbClr val="FFFF00"/>
+                </a:solidFill>
+                <a:latin typeface="Times New Roman" panose="02020603050405020304" pitchFamily="18" charset="0"/>
+                <a:cs typeface="Times New Roman" panose="02020603050405020304" pitchFamily="18" charset="0"/>
+              </a:rPr>
+            </a:br>
+            <a:r>
+              <a:rPr lang="en-US" dirty="0">
+                <a:solidFill>
+                  <a:srgbClr val="FFFF00"/>
+                </a:solidFill>
+                <a:latin typeface="Times New Roman" panose="02020603050405020304" pitchFamily="18" charset="0"/>
+                <a:cs typeface="Times New Roman" panose="02020603050405020304" pitchFamily="18" charset="0"/>
+              </a:rPr>
+              <a:t>There is no Working Directory.</a:t>
+            </a:r>
+            <a:br>
+              <a:rPr lang="en-US" dirty="0">
+                <a:solidFill>
+                  <a:srgbClr val="FFFF00"/>
+                </a:solidFill>
+                <a:latin typeface="Times New Roman" panose="02020603050405020304" pitchFamily="18" charset="0"/>
+                <a:cs typeface="Times New Roman" panose="02020603050405020304" pitchFamily="18" charset="0"/>
+              </a:rPr>
+            </a:br>
+            <a:br>
+              <a:rPr lang="en-US" dirty="0">
+                <a:solidFill>
+                  <a:srgbClr val="FFFF00"/>
+                </a:solidFill>
+                <a:latin typeface="Times New Roman" panose="02020603050405020304" pitchFamily="18" charset="0"/>
+                <a:cs typeface="Times New Roman" panose="02020603050405020304" pitchFamily="18" charset="0"/>
+              </a:rPr>
+            </a:br>
+            <a:r>
+              <a:rPr lang="en-US" dirty="0">
+                <a:solidFill>
+                  <a:srgbClr val="FFFF00"/>
+                </a:solidFill>
+                <a:latin typeface="Times New Roman" panose="02020603050405020304" pitchFamily="18" charset="0"/>
+                <a:cs typeface="Times New Roman" panose="02020603050405020304" pitchFamily="18" charset="0"/>
+              </a:rPr>
+              <a:t>All calls to other files are relative to the file doing the calling (like Google Map Directions).</a:t>
+            </a:r>
+          </a:p>
+        </p:txBody>
+      </p:sp>
+    </p:spTree>
+    <p:extLst>
+      <p:ext uri="{BB962C8B-B14F-4D97-AF65-F5344CB8AC3E}">
+        <p14:creationId xmlns:p14="http://schemas.microsoft.com/office/powerpoint/2010/main" val="1617168973"/>
+      </p:ext>
+    </p:extLst>
+  </p:cSld>
+  <p:clrMapOvr>
+    <a:masterClrMapping/>
+  </p:clrMapOvr>
+</p:sld>
+</file>
+
+<file path=ppt/slides/slide9.xml><?xml version="1.0" encoding="utf-8"?>
+<p:sld xmlns:a="http://schemas.openxmlformats.org/drawingml/2006/main" xmlns:r="http://schemas.openxmlformats.org/officeDocument/2006/relationships" xmlns:p="http://schemas.openxmlformats.org/presentationml/2006/main">
+  <p:cSld>
+    <p:spTree>
+      <p:nvGrpSpPr>
+        <p:cNvPr id="1" name=""/>
+        <p:cNvGrpSpPr/>
+        <p:nvPr/>
+      </p:nvGrpSpPr>
+      <p:grpSpPr>
+        <a:xfrm>
+          <a:off x="0" y="0"/>
+          <a:ext cx="0" cy="0"/>
+          <a:chOff x="0" y="0"/>
+          <a:chExt cx="0" cy="0"/>
+        </a:xfrm>
+      </p:grpSpPr>
+      <p:sp>
+        <p:nvSpPr>
+          <p:cNvPr id="2" name="Title 1">
+            <a:extLst>
+              <a:ext uri="{FF2B5EF4-FFF2-40B4-BE49-F238E27FC236}">
+                <a16:creationId xmlns:a16="http://schemas.microsoft.com/office/drawing/2014/main" id="{BA1E47E7-0486-4E1C-929A-58A083BDF5ED}"/>
+              </a:ext>
+            </a:extLst>
+          </p:cNvPr>
+          <p:cNvSpPr>
+            <a:spLocks noGrp="1"/>
+          </p:cNvSpPr>
+          <p:nvPr>
+            <p:ph type="title"/>
+          </p:nvPr>
+        </p:nvSpPr>
+        <p:spPr>
+          <a:xfrm>
+            <a:off x="0" y="0"/>
+            <a:ext cx="12191999" cy="6858000"/>
+          </a:xfrm>
+        </p:spPr>
+        <p:txBody>
+          <a:bodyPr>
+            <a:normAutofit/>
+          </a:bodyPr>
+          <a:lstStyle/>
+          <a:p>
+            <a:pPr algn="ctr"/>
+            <a:r>
+              <a:rPr lang="en-US" u="sng" dirty="0" err="1">
+                <a:solidFill>
+                  <a:srgbClr val="FFFF00"/>
+                </a:solidFill>
+                <a:latin typeface="Times New Roman" panose="02020603050405020304" pitchFamily="18" charset="0"/>
+                <a:cs typeface="Times New Roman" panose="02020603050405020304" pitchFamily="18" charset="0"/>
+              </a:rPr>
+              <a:t>KnitR</a:t>
+            </a:r>
+            <a:r>
+              <a:rPr lang="en-US" u="sng" dirty="0">
+                <a:solidFill>
+                  <a:srgbClr val="FFFF00"/>
+                </a:solidFill>
+                <a:latin typeface="Times New Roman" panose="02020603050405020304" pitchFamily="18" charset="0"/>
+                <a:cs typeface="Times New Roman" panose="02020603050405020304" pitchFamily="18" charset="0"/>
+              </a:rPr>
+              <a:t> </a:t>
+            </a:r>
+            <a:r>
+              <a:rPr lang="en-US" u="sng" dirty="0">
+                <a:solidFill>
+                  <a:srgbClr val="FFFF00"/>
+                </a:solidFill>
+                <a:latin typeface="Times New Roman" panose="02020603050405020304" pitchFamily="18" charset="0"/>
+                <a:cs typeface="Times New Roman" panose="02020603050405020304" pitchFamily="18" charset="0"/>
+                <a:sym typeface="Wingdings" panose="05000000000000000000" pitchFamily="2" charset="2"/>
+              </a:rPr>
+              <a:t></a:t>
+            </a:r>
+            <a:r>
+              <a:rPr lang="en-US" u="sng" dirty="0">
+                <a:solidFill>
+                  <a:srgbClr val="FFFF00"/>
+                </a:solidFill>
+                <a:latin typeface="Times New Roman" panose="02020603050405020304" pitchFamily="18" charset="0"/>
+                <a:cs typeface="Times New Roman" panose="02020603050405020304" pitchFamily="18" charset="0"/>
+              </a:rPr>
+              <a:t> </a:t>
+            </a:r>
+            <a:r>
+              <a:rPr lang="en-US" u="sng" dirty="0" err="1">
+                <a:solidFill>
+                  <a:srgbClr val="FFFF00"/>
+                </a:solidFill>
+                <a:latin typeface="Times New Roman" panose="02020603050405020304" pitchFamily="18" charset="0"/>
+                <a:cs typeface="Times New Roman" panose="02020603050405020304" pitchFamily="18" charset="0"/>
+              </a:rPr>
+              <a:t>RMarkDown</a:t>
+            </a:r>
+            <a:r>
+              <a:rPr lang="en-US" u="sng" dirty="0">
+                <a:solidFill>
+                  <a:srgbClr val="FFFF00"/>
+                </a:solidFill>
+                <a:latin typeface="Times New Roman" panose="02020603050405020304" pitchFamily="18" charset="0"/>
+                <a:cs typeface="Times New Roman" panose="02020603050405020304" pitchFamily="18" charset="0"/>
+              </a:rPr>
+              <a:t>:</a:t>
+            </a:r>
+            <a:br>
+              <a:rPr lang="en-US" u="sng" dirty="0">
+                <a:solidFill>
+                  <a:srgbClr val="FFFF00"/>
+                </a:solidFill>
+                <a:latin typeface="Times New Roman" panose="02020603050405020304" pitchFamily="18" charset="0"/>
+                <a:cs typeface="Times New Roman" panose="02020603050405020304" pitchFamily="18" charset="0"/>
+              </a:rPr>
+            </a:br>
+            <a:r>
+              <a:rPr lang="en-US" dirty="0" err="1">
+                <a:solidFill>
+                  <a:srgbClr val="FFFF00"/>
+                </a:solidFill>
+                <a:latin typeface="Times New Roman" panose="02020603050405020304" pitchFamily="18" charset="0"/>
+                <a:cs typeface="Times New Roman" panose="02020603050405020304" pitchFamily="18" charset="0"/>
+              </a:rPr>
+              <a:t>KnitR</a:t>
+            </a:r>
+            <a:r>
+              <a:rPr lang="en-US" dirty="0">
+                <a:solidFill>
+                  <a:srgbClr val="FFFF00"/>
+                </a:solidFill>
+                <a:latin typeface="Times New Roman" panose="02020603050405020304" pitchFamily="18" charset="0"/>
+                <a:cs typeface="Times New Roman" panose="02020603050405020304" pitchFamily="18" charset="0"/>
+              </a:rPr>
+              <a:t> is the technology that “stitches” formatted text with R code and plots.</a:t>
+            </a:r>
+            <a:br>
+              <a:rPr lang="en-US" dirty="0">
+                <a:solidFill>
+                  <a:srgbClr val="FFFF00"/>
+                </a:solidFill>
+                <a:latin typeface="Times New Roman" panose="02020603050405020304" pitchFamily="18" charset="0"/>
+                <a:cs typeface="Times New Roman" panose="02020603050405020304" pitchFamily="18" charset="0"/>
+              </a:rPr>
+            </a:br>
+            <a:br>
+              <a:rPr lang="en-US" dirty="0">
+                <a:solidFill>
+                  <a:srgbClr val="FFFF00"/>
+                </a:solidFill>
+                <a:latin typeface="Times New Roman" panose="02020603050405020304" pitchFamily="18" charset="0"/>
+                <a:cs typeface="Times New Roman" panose="02020603050405020304" pitchFamily="18" charset="0"/>
+              </a:rPr>
+            </a:br>
+            <a:r>
+              <a:rPr lang="en-US" dirty="0" err="1">
+                <a:solidFill>
+                  <a:srgbClr val="FFFF00"/>
+                </a:solidFill>
+                <a:latin typeface="Times New Roman" panose="02020603050405020304" pitchFamily="18" charset="0"/>
+                <a:cs typeface="Times New Roman" panose="02020603050405020304" pitchFamily="18" charset="0"/>
+              </a:rPr>
+              <a:t>RMarkDown</a:t>
+            </a:r>
+            <a:r>
+              <a:rPr lang="en-US" dirty="0">
+                <a:solidFill>
+                  <a:srgbClr val="FFFF00"/>
+                </a:solidFill>
+                <a:latin typeface="Times New Roman" panose="02020603050405020304" pitchFamily="18" charset="0"/>
+                <a:cs typeface="Times New Roman" panose="02020603050405020304" pitchFamily="18" charset="0"/>
+              </a:rPr>
+              <a:t> is a language that formats the text</a:t>
+            </a:r>
+            <a:br>
+              <a:rPr lang="en-US" dirty="0">
+                <a:solidFill>
+                  <a:srgbClr val="FFFF00"/>
+                </a:solidFill>
+                <a:latin typeface="Times New Roman" panose="02020603050405020304" pitchFamily="18" charset="0"/>
+                <a:cs typeface="Times New Roman" panose="02020603050405020304" pitchFamily="18" charset="0"/>
+              </a:rPr>
+            </a:br>
+            <a:r>
+              <a:rPr lang="en-US" dirty="0">
+                <a:solidFill>
+                  <a:srgbClr val="FFFF00"/>
+                </a:solidFill>
+                <a:latin typeface="Times New Roman" panose="02020603050405020304" pitchFamily="18" charset="0"/>
+                <a:cs typeface="Times New Roman" panose="02020603050405020304" pitchFamily="18" charset="0"/>
+              </a:rPr>
+              <a:t> </a:t>
+            </a:r>
+          </a:p>
+        </p:txBody>
+      </p:sp>
+    </p:spTree>
+    <p:extLst>
+      <p:ext uri="{BB962C8B-B14F-4D97-AF65-F5344CB8AC3E}">
+        <p14:creationId xmlns:p14="http://schemas.microsoft.com/office/powerpoint/2010/main" val="1432489684"/>
       </p:ext>
     </p:extLst>
   </p:cSld>
@@ -5162,12 +6749,17 @@
 </file>
 
 <file path=customXml/item1.xml><?xml version="1.0" encoding="utf-8"?>
-<?mso-contentType ?>
-<FormTemplates xmlns="http://schemas.microsoft.com/sharepoint/v3/contenttype/forms">
-  <Display>DocumentLibraryForm</Display>
-  <Edit>DocumentLibraryForm</Edit>
-  <New>DocumentLibraryForm</New>
-</FormTemplates>
+<p:properties xmlns:p="http://schemas.microsoft.com/office/2006/metadata/properties" xmlns:xsi="http://www.w3.org/2001/XMLSchema-instance" xmlns:pc="http://schemas.microsoft.com/office/infopath/2007/PartnerControls">
+  <documentManagement>
+    <SharedWithUsers xmlns="34e6b996-c1f6-4024-b553-22dbb926185e">
+      <UserInfo>
+        <DisplayName/>
+        <AccountId xsi:nil="true"/>
+        <AccountType/>
+      </UserInfo>
+    </SharedWithUsers>
+  </documentManagement>
+</p:properties>
 </file>
 
 <file path=customXml/item2.xml><?xml version="1.0" encoding="utf-8"?>
@@ -5376,32 +6968,15 @@
 </file>
 
 <file path=customXml/item3.xml><?xml version="1.0" encoding="utf-8"?>
-<p:properties xmlns:p="http://schemas.microsoft.com/office/2006/metadata/properties" xmlns:xsi="http://www.w3.org/2001/XMLSchema-instance" xmlns:pc="http://schemas.microsoft.com/office/infopath/2007/PartnerControls">
-  <documentManagement>
-    <SharedWithUsers xmlns="34e6b996-c1f6-4024-b553-22dbb926185e">
-      <UserInfo>
-        <DisplayName/>
-        <AccountId xsi:nil="true"/>
-        <AccountType/>
-      </UserInfo>
-    </SharedWithUsers>
-  </documentManagement>
-</p:properties>
+<?mso-contentType ?>
+<FormTemplates xmlns="http://schemas.microsoft.com/sharepoint/v3/contenttype/forms">
+  <Display>DocumentLibraryForm</Display>
+  <Edit>DocumentLibraryForm</Edit>
+  <New>DocumentLibraryForm</New>
+</FormTemplates>
 </file>
 
 <file path=customXml/itemProps1.xml><?xml version="1.0" encoding="utf-8"?>
-<ds:datastoreItem xmlns:ds="http://schemas.openxmlformats.org/officeDocument/2006/customXml" ds:itemID="{8C3E49DB-369F-46E8-8388-BDF37736F13A}">
-  <ds:schemaRefs>
-    <ds:schemaRef ds:uri="http://schemas.microsoft.com/sharepoint/v3/contenttype/forms"/>
-  </ds:schemaRefs>
-</ds:datastoreItem>
-</file>
-
-<file path=customXml/itemProps2.xml><?xml version="1.0" encoding="utf-8"?>
-<ds:datastoreItem xmlns:ds="http://schemas.openxmlformats.org/officeDocument/2006/customXml" ds:itemID="{F99427BD-8D21-42D5-901D-9F4A840F44E4}"/>
-</file>
-
-<file path=customXml/itemProps3.xml><?xml version="1.0" encoding="utf-8"?>
 <ds:datastoreItem xmlns:ds="http://schemas.openxmlformats.org/officeDocument/2006/customXml" ds:itemID="{605D15B3-B590-43F3-AC20-441330526397}">
   <ds:schemaRefs>
     <ds:schemaRef ds:uri="http://purl.org/dc/elements/1.1/"/>
@@ -5415,6 +6990,34 @@
     <ds:schemaRef ds:uri="5662f12b-3453-4479-8b12-66d6bdcc6b72"/>
     <ds:schemaRef ds:uri="http://schemas.microsoft.com/office/2006/metadata/properties"/>
     <ds:schemaRef ds:uri="http://purl.org/dc/dcmitype/"/>
+    <ds:schemaRef ds:uri="34e6b996-c1f6-4024-b553-22dbb926185e"/>
+  </ds:schemaRefs>
+</ds:datastoreItem>
+</file>
+
+<file path=customXml/itemProps2.xml><?xml version="1.0" encoding="utf-8"?>
+<ds:datastoreItem xmlns:ds="http://schemas.openxmlformats.org/officeDocument/2006/customXml" ds:itemID="{F99427BD-8D21-42D5-901D-9F4A840F44E4}">
+  <ds:schemaRefs>
+    <ds:schemaRef ds:uri="http://schemas.microsoft.com/office/2006/metadata/contentType"/>
+    <ds:schemaRef ds:uri="http://schemas.microsoft.com/office/2006/metadata/properties/metaAttributes"/>
+    <ds:schemaRef ds:uri="http://www.w3.org/2001/XMLSchema"/>
+    <ds:schemaRef ds:uri="http://schemas.microsoft.com/office/2006/metadata/properties"/>
+    <ds:schemaRef ds:uri="34e6b996-c1f6-4024-b553-22dbb926185e"/>
+    <ds:schemaRef ds:uri="393f1106-018a-42d8-ab30-9984f9d2929a"/>
+    <ds:schemaRef ds:uri="http://schemas.microsoft.com/office/2006/documentManagement/types"/>
+    <ds:schemaRef ds:uri="http://schemas.microsoft.com/office/infopath/2007/PartnerControls"/>
+    <ds:schemaRef ds:uri="http://schemas.openxmlformats.org/package/2006/metadata/core-properties"/>
+    <ds:schemaRef ds:uri="http://purl.org/dc/elements/1.1/"/>
+    <ds:schemaRef ds:uri="http://purl.org/dc/terms/"/>
+    <ds:schemaRef ds:uri="http://schemas.microsoft.com/internal/obd"/>
+  </ds:schemaRefs>
+</ds:datastoreItem>
+</file>
+
+<file path=customXml/itemProps3.xml><?xml version="1.0" encoding="utf-8"?>
+<ds:datastoreItem xmlns:ds="http://schemas.openxmlformats.org/officeDocument/2006/customXml" ds:itemID="{8C3E49DB-369F-46E8-8388-BDF37736F13A}">
+  <ds:schemaRefs>
+    <ds:schemaRef ds:uri="http://schemas.microsoft.com/sharepoint/v3/contenttype/forms"/>
   </ds:schemaRefs>
 </ds:datastoreItem>
 </file>